--- a/Sec_18/現代の金融政策_19.pptx
+++ b/Sec_18/現代の金融政策_19.pptx
@@ -5,18 +5,19 @@
     <p:sldMasterId id="2147483768" r:id="rId1"/>
   </p:sldMasterIdLst>
   <p:notesMasterIdLst>
-    <p:notesMasterId r:id="rId8"/>
+    <p:notesMasterId r:id="rId9"/>
   </p:notesMasterIdLst>
   <p:handoutMasterIdLst>
-    <p:handoutMasterId r:id="rId9"/>
+    <p:handoutMasterId r:id="rId10"/>
   </p:handoutMasterIdLst>
   <p:sldIdLst>
     <p:sldId id="952" r:id="rId2"/>
     <p:sldId id="954" r:id="rId3"/>
     <p:sldId id="953" r:id="rId4"/>
     <p:sldId id="955" r:id="rId5"/>
-    <p:sldId id="956" r:id="rId6"/>
-    <p:sldId id="957" r:id="rId7"/>
+    <p:sldId id="958" r:id="rId6"/>
+    <p:sldId id="956" r:id="rId7"/>
+    <p:sldId id="957" r:id="rId8"/>
   </p:sldIdLst>
   <p:sldSz cx="9144000" cy="6858000" type="screen4x3"/>
   <p:notesSz cx="6858000" cy="9144000"/>
@@ -117,7 +118,7 @@
   </p:defaultTextStyle>
   <p:extLst>
     <p:ext uri="{EFAFB233-063F-42B5-8137-9DF3F51BA10A}">
-      <p15:sldGuideLst xmlns:p15="http://schemas.microsoft.com/office/powerpoint/2012/main">
+      <p15:sldGuideLst xmlns:p15="http://schemas.microsoft.com/office/powerpoint/2012/main" xmlns="">
         <p15:guide id="1" orient="horz" pos="2160" userDrawn="1">
           <p15:clr>
             <a:srgbClr val="A4A3A4"/>
@@ -131,7 +132,7 @@
       </p15:sldGuideLst>
     </p:ext>
     <p:ext uri="{2D200454-40CA-4A62-9FC3-DE9A4176ACB9}">
-      <p15:notesGuideLst xmlns:p15="http://schemas.microsoft.com/office/powerpoint/2012/main"/>
+      <p15:notesGuideLst xmlns:p15="http://schemas.microsoft.com/office/powerpoint/2012/main" xmlns=""/>
     </p:ext>
   </p:extLst>
 </p:presentation>
@@ -219,7 +220,7 @@
           <a:p>
             <a:fld id="{3F136F1A-FE36-4A59-A811-D828BB54BDD2}" type="datetime1">
               <a:rPr kumimoji="1" lang="ja-JP" altLang="en-US" smtClean="0"/>
-              <a:t>2018/7/31</a:t>
+              <a:t>2018/8/2</a:t>
             </a:fld>
             <a:endParaRPr kumimoji="1" lang="ja-JP" altLang="en-US"/>
           </a:p>
@@ -385,7 +386,7 @@
           <a:p>
             <a:fld id="{226C42E8-005F-46D7-AA53-D596D543FBA7}" type="datetime1">
               <a:rPr kumimoji="1" lang="ja-JP" altLang="en-US" smtClean="0"/>
-              <a:t>2018/7/31</a:t>
+              <a:t>2018/8/2</a:t>
             </a:fld>
             <a:endParaRPr kumimoji="1" lang="ja-JP" altLang="en-US"/>
           </a:p>
@@ -751,7 +752,7 @@
           <a:p>
             <a:fld id="{DF70F694-2B18-4509-A853-01A6DE26FB3C}" type="datetime1">
               <a:rPr kumimoji="1" lang="ja-JP" altLang="en-US" smtClean="0"/>
-              <a:t>2018/7/31</a:t>
+              <a:t>2018/8/2</a:t>
             </a:fld>
             <a:endParaRPr kumimoji="1" lang="ja-JP" altLang="en-US"/>
           </a:p>
@@ -4909,7 +4910,7 @@
               <a:rPr lang="en-US" altLang="ja-JP" dirty="0" smtClean="0"/>
             </a:br>
             <a:r>
-              <a:rPr lang="en-US" altLang="ja-JP" smtClean="0"/>
+              <a:rPr lang="en-US" altLang="ja-JP" dirty="0" smtClean="0"/>
               <a:t> 					(</a:t>
             </a:r>
             <a:r>
@@ -4920,29 +4921,227 @@
               <a:rPr lang="en-US" altLang="ja-JP" dirty="0" smtClean="0"/>
               <a:t>)</a:t>
             </a:r>
+          </a:p>
+          <a:p>
+            <a:pPr marL="0" indent="0">
+              <a:buNone/>
+            </a:pPr>
+            <a:endParaRPr lang="en-US" altLang="ja-JP" dirty="0" smtClean="0"/>
           </a:p>
           <a:p>
             <a:pPr marL="457200" indent="-457200">
               <a:buFont typeface="+mj-lt"/>
               <a:buAutoNum type="arabicPeriod"/>
             </a:pPr>
+            <a:r>
+              <a:rPr lang="ja-JP" altLang="en-US" dirty="0" smtClean="0"/>
+              <a:t>ゼロ</a:t>
+            </a:r>
+            <a:r>
+              <a:rPr lang="ja-JP" altLang="en-US" dirty="0" smtClean="0"/>
+              <a:t>金利</a:t>
+            </a:r>
+            <a:r>
+              <a:rPr lang="ja-JP" altLang="en-US" dirty="0" smtClean="0"/>
+              <a:t>制約</a:t>
+            </a:r>
+            <a:endParaRPr lang="en-US" altLang="ja-JP" dirty="0" smtClean="0"/>
+          </a:p>
+          <a:p>
+            <a:pPr marL="457200" lvl="1" indent="0">
+              <a:buNone/>
+            </a:pPr>
+            <a:r>
+              <a:rPr lang="ja-JP" altLang="en-US" dirty="0" smtClean="0"/>
+              <a:t>一般に、「名目市場</a:t>
+            </a:r>
+            <a:r>
+              <a:rPr lang="ja-JP" altLang="en-US" dirty="0" smtClean="0"/>
+              <a:t>金利＝物価上昇率＋市場実質金利」</a:t>
+            </a:r>
             <a:endParaRPr lang="en-US" altLang="ja-JP" dirty="0"/>
           </a:p>
           <a:p>
-            <a:pPr marL="457200" indent="-457200">
+            <a:pPr marL="457200" lvl="1" indent="0">
+              <a:buNone/>
+            </a:pPr>
+            <a:r>
+              <a:rPr lang="ja-JP" altLang="en-US" dirty="0" smtClean="0"/>
+              <a:t>⇒ゼロ金利制約下では、物価上昇率の</a:t>
+            </a:r>
+            <a:r>
+              <a:rPr lang="ja-JP" altLang="en-US" dirty="0"/>
+              <a:t>下落→市場</a:t>
+            </a:r>
+            <a:r>
+              <a:rPr lang="ja-JP" altLang="en-US" dirty="0" smtClean="0"/>
+              <a:t>実質</a:t>
+            </a:r>
+            <a:r>
+              <a:rPr lang="ja-JP" altLang="en-US" dirty="0" smtClean="0"/>
+              <a:t>金利の上昇</a:t>
+            </a:r>
+            <a:r>
+              <a:rPr lang="en-US" altLang="ja-JP" dirty="0" smtClean="0"/>
+              <a:t>.</a:t>
+            </a:r>
+          </a:p>
+          <a:p>
+            <a:pPr marL="457200" lvl="1" indent="0">
+              <a:buNone/>
+            </a:pPr>
+            <a:r>
+              <a:rPr lang="ja-JP" altLang="en-US" dirty="0"/>
+              <a:t>（市場</a:t>
+            </a:r>
+            <a:r>
+              <a:rPr lang="ja-JP" altLang="en-US" dirty="0" smtClean="0"/>
+              <a:t>実質</a:t>
+            </a:r>
+            <a:r>
+              <a:rPr lang="ja-JP" altLang="en-US" dirty="0" smtClean="0"/>
+              <a:t>金利の低下⇔投資増加）</a:t>
+            </a:r>
+            <a:endParaRPr lang="en-US" altLang="ja-JP" dirty="0" smtClean="0"/>
+          </a:p>
+          <a:p>
+            <a:pPr marL="457200" lvl="1" indent="0">
+              <a:buNone/>
+            </a:pPr>
+            <a:r>
+              <a:rPr lang="ja-JP" altLang="en-US" dirty="0"/>
+              <a:t>しかし</a:t>
+            </a:r>
+            <a:r>
+              <a:rPr lang="ja-JP" altLang="en-US" dirty="0" smtClean="0"/>
+              <a:t>、“均衡実質金利＞市場実質金利“が成立してさえいれば、</a:t>
+            </a:r>
+            <a:r>
+              <a:rPr lang="en-US" altLang="ja-JP" dirty="0" smtClean="0"/>
+              <a:t/>
+            </a:r>
+            <a:br>
+              <a:rPr lang="en-US" altLang="ja-JP" dirty="0" smtClean="0"/>
+            </a:br>
+            <a:r>
+              <a:rPr lang="ja-JP" altLang="en-US" dirty="0" smtClean="0"/>
+              <a:t>景気刺激できる</a:t>
+            </a:r>
+            <a:r>
+              <a:rPr lang="en-US" altLang="ja-JP" dirty="0" smtClean="0"/>
+              <a:t>.</a:t>
+            </a:r>
+            <a:r>
+              <a:rPr lang="ja-JP" altLang="en-US" dirty="0" smtClean="0"/>
+              <a:t>　</a:t>
+            </a:r>
+            <a:r>
+              <a:rPr lang="en-US" altLang="ja-JP" dirty="0" smtClean="0"/>
+              <a:t>(</a:t>
+            </a:r>
+            <a:r>
+              <a:rPr lang="ja-JP" altLang="en-US" dirty="0" smtClean="0"/>
+              <a:t>均衡</a:t>
+            </a:r>
+            <a:r>
+              <a:rPr lang="ja-JP" altLang="en-US" dirty="0"/>
+              <a:t>実質</a:t>
+            </a:r>
+            <a:r>
+              <a:rPr lang="ja-JP" altLang="en-US" dirty="0" smtClean="0"/>
+              <a:t>金利</a:t>
+            </a:r>
+            <a:r>
+              <a:rPr lang="en-US" altLang="ja-JP" dirty="0" smtClean="0"/>
+              <a:t>=</a:t>
+            </a:r>
+            <a:r>
+              <a:rPr lang="ja-JP" altLang="en-US" dirty="0" smtClean="0"/>
+              <a:t>自然利子率</a:t>
+            </a:r>
+            <a:r>
+              <a:rPr lang="en-US" altLang="ja-JP" dirty="0" smtClean="0"/>
+              <a:t>)</a:t>
+            </a:r>
+          </a:p>
+          <a:p>
+            <a:pPr marL="457200" lvl="1" indent="0">
+              <a:buNone/>
+            </a:pPr>
+            <a:r>
+              <a:rPr lang="ja-JP" altLang="en-US" dirty="0" smtClean="0"/>
+              <a:t>成立する条件</a:t>
+            </a:r>
+            <a:r>
+              <a:rPr lang="en-US" altLang="ja-JP" dirty="0" smtClean="0"/>
+              <a:t>(</a:t>
+            </a:r>
+            <a:r>
+              <a:rPr lang="ja-JP" altLang="en-US" dirty="0" smtClean="0"/>
+              <a:t>ケース</a:t>
+            </a:r>
+            <a:r>
+              <a:rPr lang="en-US" altLang="ja-JP" dirty="0" smtClean="0"/>
+              <a:t>)</a:t>
+            </a:r>
+            <a:r>
+              <a:rPr lang="ja-JP" altLang="en-US" dirty="0" smtClean="0"/>
+              <a:t>と</a:t>
+            </a:r>
+            <a:r>
+              <a:rPr lang="ja-JP" altLang="en-US" dirty="0"/>
+              <a:t>しては、</a:t>
+            </a:r>
+            <a:endParaRPr lang="en-US" altLang="ja-JP" dirty="0" smtClean="0"/>
+          </a:p>
+          <a:p>
+            <a:pPr marL="800100" lvl="1" indent="-342900">
               <a:buFont typeface="+mj-lt"/>
               <a:buAutoNum type="arabicPeriod"/>
             </a:pPr>
+            <a:r>
+              <a:rPr lang="ja-JP" altLang="en-US" dirty="0" smtClean="0"/>
+              <a:t>成長率の低下が一時的な場合</a:t>
+            </a:r>
             <a:endParaRPr lang="en-US" altLang="ja-JP" dirty="0" smtClean="0"/>
           </a:p>
           <a:p>
-            <a:pPr marL="457200" indent="-457200">
+            <a:pPr marL="800100" lvl="1" indent="-342900">
               <a:buFont typeface="+mj-lt"/>
               <a:buAutoNum type="arabicPeriod"/>
             </a:pPr>
             <a:r>
               <a:rPr lang="ja-JP" altLang="en-US" dirty="0" smtClean="0"/>
-              <a:t>ゼロ金利制約</a:t>
+              <a:t>時間軸効果により、ゼロ金利がある程度約束されている場合 　</a:t>
+            </a:r>
+            <a:endParaRPr lang="en-US" altLang="ja-JP" dirty="0" smtClean="0"/>
+          </a:p>
+          <a:p>
+            <a:pPr marL="457200" lvl="1" indent="0">
+              <a:buNone/>
+            </a:pPr>
+            <a:r>
+              <a:rPr lang="ja-JP" altLang="en-US" dirty="0" smtClean="0"/>
+              <a:t>⇒実際に、経営者に聞いたリサーチに基づく調査によると</a:t>
+            </a:r>
+            <a:r>
+              <a:rPr lang="ja-JP" altLang="en-US" dirty="0" err="1" smtClean="0"/>
+              <a:t>、、、</a:t>
+            </a:r>
+            <a:r>
+              <a:rPr lang="en-US" altLang="ja-JP" dirty="0" smtClean="0"/>
+              <a:t/>
+            </a:r>
+            <a:br>
+              <a:rPr lang="en-US" altLang="ja-JP" dirty="0" smtClean="0"/>
+            </a:br>
+            <a:r>
+              <a:rPr lang="ja-JP" altLang="en-US" dirty="0" smtClean="0"/>
+              <a:t>　短いとこは成長率は低下するが、長いとこは低下しない</a:t>
+            </a:r>
+            <a:r>
+              <a:rPr lang="en-US" altLang="ja-JP" dirty="0"/>
+              <a:t>.</a:t>
             </a:r>
             <a:endParaRPr lang="en-US" altLang="ja-JP" dirty="0"/>
           </a:p>
@@ -5044,23 +5243,19 @@
         <p:spPr/>
         <p:txBody>
           <a:bodyPr>
-            <a:normAutofit fontScale="90000"/>
+            <a:noAutofit/>
           </a:bodyPr>
           <a:lstStyle/>
           <a:p>
             <a:r>
-              <a:rPr kumimoji="1" lang="en-US" altLang="ja-JP" dirty="0" smtClean="0"/>
-              <a:t>19-1 </a:t>
-            </a:r>
-            <a:r>
-              <a:rPr lang="ja-JP" altLang="en-US" dirty="0"/>
-              <a:t>近年</a:t>
-            </a:r>
-            <a:r>
-              <a:rPr kumimoji="1" lang="ja-JP" altLang="en-US" dirty="0" smtClean="0"/>
-              <a:t>の日本の物価下落</a:t>
-            </a:r>
-            <a:endParaRPr kumimoji="1" lang="ja-JP" altLang="en-US" dirty="0"/>
+              <a:rPr kumimoji="1" lang="en-US" altLang="ja-JP" sz="2800" dirty="0" smtClean="0"/>
+              <a:t>19-2 </a:t>
+            </a:r>
+            <a:r>
+              <a:rPr kumimoji="1" lang="ja-JP" altLang="en-US" sz="2800" dirty="0" smtClean="0"/>
+              <a:t>デフレ・スパイラルに陥らなかった理由</a:t>
+            </a:r>
+            <a:endParaRPr kumimoji="1" lang="ja-JP" altLang="en-US" sz="2800" dirty="0"/>
           </a:p>
         </p:txBody>
       </p:sp>
@@ -5079,20 +5274,184 @@
           <a:bodyPr/>
           <a:lstStyle/>
           <a:p>
+            <a:pPr marL="0" indent="0">
+              <a:buNone/>
+            </a:pPr>
             <a:r>
               <a:rPr kumimoji="1" lang="en-US" altLang="ja-JP" dirty="0" smtClean="0"/>
-              <a:t>2</a:t>
+              <a:t>3.</a:t>
+            </a:r>
+            <a:r>
+              <a:rPr kumimoji="1" lang="ja-JP" altLang="en-US" dirty="0" smtClean="0"/>
+              <a:t>為替レート</a:t>
+            </a:r>
+            <a:endParaRPr kumimoji="1" lang="en-US" altLang="ja-JP" dirty="0" smtClean="0"/>
+          </a:p>
+          <a:p>
+            <a:pPr marL="0" indent="0">
+              <a:buNone/>
+            </a:pPr>
+            <a:r>
+              <a:rPr lang="en-US" altLang="ja-JP" dirty="0" smtClean="0"/>
+              <a:t>(a)</a:t>
+            </a:r>
+            <a:r>
+              <a:rPr lang="ja-JP" altLang="en-US" dirty="0" smtClean="0"/>
+              <a:t>金融緩和すると、自国通貨安</a:t>
+            </a:r>
+            <a:r>
+              <a:rPr lang="en-US" altLang="ja-JP" dirty="0" smtClean="0"/>
+              <a:t>(</a:t>
+            </a:r>
+            <a:r>
+              <a:rPr lang="ja-JP" altLang="en-US" dirty="0" smtClean="0"/>
+              <a:t>実質実行為替レート安</a:t>
+            </a:r>
+            <a:r>
+              <a:rPr lang="en-US" altLang="ja-JP" dirty="0" smtClean="0"/>
+              <a:t>)</a:t>
+            </a:r>
+            <a:r>
+              <a:rPr lang="ja-JP" altLang="en-US" dirty="0" smtClean="0"/>
+              <a:t>になる。</a:t>
             </a:r>
             <a:endParaRPr lang="en-US" altLang="ja-JP" dirty="0" smtClean="0"/>
           </a:p>
           <a:p>
+            <a:pPr marL="0" indent="0">
+              <a:buNone/>
+            </a:pPr>
+            <a:r>
+              <a:rPr lang="ja-JP" altLang="en-US" dirty="0" smtClean="0"/>
+              <a:t>→輸出増加で、景気刺激できる。</a:t>
+            </a:r>
+            <a:endParaRPr lang="en-US" altLang="ja-JP" dirty="0" smtClean="0"/>
+          </a:p>
+          <a:p>
+            <a:pPr marL="0" indent="0">
+              <a:buNone/>
+            </a:pPr>
+            <a:r>
+              <a:rPr kumimoji="1" lang="en-US" altLang="ja-JP" dirty="0" smtClean="0"/>
+              <a:t>(b) (</a:t>
+            </a:r>
+            <a:r>
+              <a:rPr lang="ja-JP" altLang="en-US" dirty="0"/>
+              <a:t>自国</a:t>
+            </a:r>
+            <a:r>
+              <a:rPr kumimoji="1" lang="ja-JP" altLang="en-US" dirty="0" smtClean="0"/>
+              <a:t>通貨安による</a:t>
+            </a:r>
+            <a:r>
+              <a:rPr kumimoji="1" lang="en-US" altLang="ja-JP" dirty="0" smtClean="0"/>
+              <a:t>)</a:t>
+            </a:r>
+            <a:r>
+              <a:rPr kumimoji="1" lang="ja-JP" altLang="en-US" dirty="0" smtClean="0"/>
+              <a:t>外国資産の価値増加</a:t>
+            </a:r>
+            <a:endParaRPr kumimoji="1" lang="en-US" altLang="ja-JP" dirty="0" smtClean="0"/>
+          </a:p>
+          <a:p>
+            <a:pPr marL="0" indent="0">
+              <a:buNone/>
+            </a:pPr>
             <a:endParaRPr lang="en-US" altLang="ja-JP" dirty="0"/>
           </a:p>
           <a:p>
+            <a:pPr marL="0" indent="0">
+              <a:buNone/>
+            </a:pPr>
+            <a:r>
+              <a:rPr kumimoji="1" lang="en-US" altLang="ja-JP" dirty="0" smtClean="0"/>
+              <a:t>4.</a:t>
+            </a:r>
+            <a:r>
+              <a:rPr kumimoji="1" lang="ja-JP" altLang="en-US" dirty="0" smtClean="0"/>
+              <a:t>金融システムの高度化</a:t>
+            </a:r>
             <a:endParaRPr kumimoji="1" lang="en-US" altLang="ja-JP" dirty="0" smtClean="0"/>
           </a:p>
           <a:p>
-            <a:endParaRPr kumimoji="1" lang="ja-JP" altLang="en-US" dirty="0"/>
+            <a:pPr marL="0" indent="0">
+              <a:buNone/>
+            </a:pPr>
+            <a:r>
+              <a:rPr lang="ja-JP" altLang="en-US" dirty="0" smtClean="0"/>
+              <a:t>昔は金融システムがダメだった　⇒金融危機が発生した</a:t>
+            </a:r>
+            <a:r>
+              <a:rPr lang="en-US" altLang="ja-JP" dirty="0" smtClean="0"/>
+              <a:t>.</a:t>
+            </a:r>
+          </a:p>
+          <a:p>
+            <a:pPr marL="0" indent="0">
+              <a:buNone/>
+            </a:pPr>
+            <a:r>
+              <a:rPr kumimoji="1" lang="ja-JP" altLang="en-US" dirty="0"/>
+              <a:t>　</a:t>
+            </a:r>
+            <a:r>
+              <a:rPr kumimoji="1" lang="ja-JP" altLang="en-US" dirty="0" smtClean="0"/>
+              <a:t>・最後の貸し手</a:t>
+            </a:r>
+            <a:endParaRPr kumimoji="1" lang="en-US" altLang="ja-JP" dirty="0" smtClean="0"/>
+          </a:p>
+          <a:p>
+            <a:pPr marL="0" indent="0">
+              <a:buNone/>
+            </a:pPr>
+            <a:r>
+              <a:rPr lang="ja-JP" altLang="en-US" dirty="0"/>
+              <a:t>　</a:t>
+            </a:r>
+            <a:r>
+              <a:rPr lang="ja-JP" altLang="en-US" dirty="0" smtClean="0"/>
+              <a:t>・量的緩和</a:t>
+            </a:r>
+            <a:r>
+              <a:rPr lang="en-US" altLang="ja-JP" dirty="0" smtClean="0"/>
+              <a:t>(</a:t>
+            </a:r>
+            <a:r>
+              <a:rPr lang="ja-JP" altLang="en-US" dirty="0" smtClean="0"/>
+              <a:t>十分な流動性供給</a:t>
+            </a:r>
+            <a:r>
+              <a:rPr lang="en-US" altLang="ja-JP" dirty="0" smtClean="0"/>
+              <a:t>)</a:t>
+            </a:r>
+          </a:p>
+          <a:p>
+            <a:pPr marL="0" indent="0">
+              <a:buNone/>
+            </a:pPr>
+            <a:r>
+              <a:rPr kumimoji="1" lang="ja-JP" altLang="en-US" dirty="0"/>
+              <a:t>　</a:t>
+            </a:r>
+            <a:r>
+              <a:rPr kumimoji="1" lang="ja-JP" altLang="en-US" dirty="0" smtClean="0"/>
+              <a:t>・信用</a:t>
+            </a:r>
+            <a:r>
+              <a:rPr kumimoji="1" lang="en-US" altLang="ja-JP" dirty="0" smtClean="0"/>
+              <a:t>Spread</a:t>
+            </a:r>
+            <a:r>
+              <a:rPr kumimoji="1" lang="ja-JP" altLang="en-US" dirty="0" smtClean="0"/>
+              <a:t>の縮小</a:t>
+            </a:r>
+            <a:endParaRPr kumimoji="1" lang="en-US" altLang="ja-JP" dirty="0" smtClean="0"/>
+          </a:p>
+          <a:p>
+            <a:pPr marL="0" indent="0">
+              <a:buNone/>
+            </a:pPr>
+            <a:endParaRPr kumimoji="1" lang="en-US" altLang="ja-JP" dirty="0" smtClean="0"/>
           </a:p>
         </p:txBody>
       </p:sp>
@@ -5146,7 +5505,7 @@
     </p:spTree>
     <p:extLst>
       <p:ext uri="{BB962C8B-B14F-4D97-AF65-F5344CB8AC3E}">
-        <p14:creationId xmlns:p14="http://schemas.microsoft.com/office/powerpoint/2010/main" val="2773768415"/>
+        <p14:creationId xmlns:p14="http://schemas.microsoft.com/office/powerpoint/2010/main" val="3194038319"/>
       </p:ext>
     </p:extLst>
   </p:cSld>
@@ -5192,7 +5551,7 @@
           <a:p>
             <a:r>
               <a:rPr kumimoji="1" lang="en-US" altLang="ja-JP" dirty="0" smtClean="0"/>
-              <a:t>19-1 </a:t>
+              <a:t>19-3 </a:t>
             </a:r>
             <a:r>
               <a:rPr lang="ja-JP" altLang="en-US" dirty="0"/>
@@ -5222,13 +5581,13 @@
           <a:lstStyle/>
           <a:p>
             <a:r>
-              <a:rPr kumimoji="1" lang="en-US" altLang="ja-JP" dirty="0" smtClean="0"/>
-              <a:t>2</a:t>
-            </a:r>
-            <a:endParaRPr lang="en-US" altLang="ja-JP" dirty="0" smtClean="0"/>
-          </a:p>
-          <a:p>
+              <a:rPr kumimoji="1" lang="ja-JP" altLang="en-US" dirty="0" smtClean="0"/>
+              <a:t>名目市場金利＝均衡実質金利＋予想物価上昇率</a:t>
+            </a:r>
             <a:endParaRPr lang="en-US" altLang="ja-JP" dirty="0"/>
+          </a:p>
+          <a:p>
+            <a:endParaRPr kumimoji="1" lang="en-US" altLang="ja-JP" dirty="0" smtClean="0"/>
           </a:p>
           <a:p>
             <a:endParaRPr kumimoji="1" lang="en-US" altLang="ja-JP" dirty="0" smtClean="0"/>
@@ -5257,6 +5616,148 @@
               <a:rPr kumimoji="1" lang="ja-JP" altLang="en-US" smtClean="0"/>
               <a:pPr/>
               <a:t>6</a:t>
+            </a:fld>
+            <a:endParaRPr kumimoji="1" lang="ja-JP" altLang="en-US" dirty="0"/>
+          </a:p>
+        </p:txBody>
+      </p:sp>
+      <p:sp>
+        <p:nvSpPr>
+          <p:cNvPr id="5" name="フッター プレースホルダー 4"/>
+          <p:cNvSpPr>
+            <a:spLocks noGrp="1"/>
+          </p:cNvSpPr>
+          <p:nvPr>
+            <p:ph type="ftr" sz="quarter" idx="11"/>
+          </p:nvPr>
+        </p:nvSpPr>
+        <p:spPr/>
+        <p:txBody>
+          <a:bodyPr/>
+          <a:lstStyle/>
+          <a:p>
+            <a:r>
+              <a:rPr kumimoji="1" lang="en-US" altLang="ja-JP" smtClean="0"/>
+              <a:t>/9</a:t>
+            </a:r>
+            <a:endParaRPr kumimoji="1" lang="ja-JP" altLang="en-US" dirty="0"/>
+          </a:p>
+        </p:txBody>
+      </p:sp>
+    </p:spTree>
+    <p:extLst>
+      <p:ext uri="{BB962C8B-B14F-4D97-AF65-F5344CB8AC3E}">
+        <p14:creationId xmlns:p14="http://schemas.microsoft.com/office/powerpoint/2010/main" val="2773768415"/>
+      </p:ext>
+    </p:extLst>
+  </p:cSld>
+  <p:clrMapOvr>
+    <a:masterClrMapping/>
+  </p:clrMapOvr>
+</p:sld>
+</file>
+
+<file path=ppt/slides/slide7.xml><?xml version="1.0" encoding="utf-8"?>
+<p:sld xmlns:a="http://schemas.openxmlformats.org/drawingml/2006/main" xmlns:r="http://schemas.openxmlformats.org/officeDocument/2006/relationships" xmlns:p="http://schemas.openxmlformats.org/presentationml/2006/main">
+  <p:cSld>
+    <p:spTree>
+      <p:nvGrpSpPr>
+        <p:cNvPr id="1" name=""/>
+        <p:cNvGrpSpPr/>
+        <p:nvPr/>
+      </p:nvGrpSpPr>
+      <p:grpSpPr>
+        <a:xfrm>
+          <a:off x="0" y="0"/>
+          <a:ext cx="0" cy="0"/>
+          <a:chOff x="0" y="0"/>
+          <a:chExt cx="0" cy="0"/>
+        </a:xfrm>
+      </p:grpSpPr>
+      <p:sp>
+        <p:nvSpPr>
+          <p:cNvPr id="2" name="タイトル 1"/>
+          <p:cNvSpPr>
+            <a:spLocks noGrp="1"/>
+          </p:cNvSpPr>
+          <p:nvPr>
+            <p:ph type="title"/>
+          </p:nvPr>
+        </p:nvSpPr>
+        <p:spPr/>
+        <p:txBody>
+          <a:bodyPr>
+            <a:normAutofit fontScale="90000"/>
+          </a:bodyPr>
+          <a:lstStyle/>
+          <a:p>
+            <a:r>
+              <a:rPr kumimoji="1" lang="en-US" altLang="ja-JP" dirty="0" smtClean="0"/>
+              <a:t>19-1 </a:t>
+            </a:r>
+            <a:r>
+              <a:rPr lang="ja-JP" altLang="en-US" dirty="0"/>
+              <a:t>近年</a:t>
+            </a:r>
+            <a:r>
+              <a:rPr kumimoji="1" lang="ja-JP" altLang="en-US" dirty="0" smtClean="0"/>
+              <a:t>の日本の物価下落</a:t>
+            </a:r>
+            <a:endParaRPr kumimoji="1" lang="ja-JP" altLang="en-US" dirty="0"/>
+          </a:p>
+        </p:txBody>
+      </p:sp>
+      <p:sp>
+        <p:nvSpPr>
+          <p:cNvPr id="3" name="コンテンツ プレースホルダー 2"/>
+          <p:cNvSpPr>
+            <a:spLocks noGrp="1"/>
+          </p:cNvSpPr>
+          <p:nvPr>
+            <p:ph idx="1"/>
+          </p:nvPr>
+        </p:nvSpPr>
+        <p:spPr/>
+        <p:txBody>
+          <a:bodyPr/>
+          <a:lstStyle/>
+          <a:p>
+            <a:r>
+              <a:rPr kumimoji="1" lang="en-US" altLang="ja-JP" dirty="0" smtClean="0"/>
+              <a:t>2</a:t>
+            </a:r>
+            <a:endParaRPr lang="en-US" altLang="ja-JP" dirty="0" smtClean="0"/>
+          </a:p>
+          <a:p>
+            <a:endParaRPr lang="en-US" altLang="ja-JP" dirty="0"/>
+          </a:p>
+          <a:p>
+            <a:endParaRPr kumimoji="1" lang="en-US" altLang="ja-JP" dirty="0" smtClean="0"/>
+          </a:p>
+          <a:p>
+            <a:endParaRPr kumimoji="1" lang="ja-JP" altLang="en-US" dirty="0"/>
+          </a:p>
+        </p:txBody>
+      </p:sp>
+      <p:sp>
+        <p:nvSpPr>
+          <p:cNvPr id="4" name="スライド番号プレースホルダー 3"/>
+          <p:cNvSpPr>
+            <a:spLocks noGrp="1"/>
+          </p:cNvSpPr>
+          <p:nvPr>
+            <p:ph type="sldNum" sz="quarter" idx="12"/>
+          </p:nvPr>
+        </p:nvSpPr>
+        <p:spPr/>
+        <p:txBody>
+          <a:bodyPr/>
+          <a:lstStyle/>
+          <a:p>
+            <a:fld id="{2DD9D90A-4D94-4525-A16D-2717D27F54F2}" type="slidenum">
+              <a:rPr kumimoji="1" lang="ja-JP" altLang="en-US" smtClean="0"/>
+              <a:pPr/>
+              <a:t>7</a:t>
             </a:fld>
             <a:endParaRPr kumimoji="1" lang="ja-JP" altLang="en-US" dirty="0"/>
           </a:p>
@@ -5553,7 +6054,7 @@
   <a:extraClrSchemeLst/>
   <a:extLst>
     <a:ext uri="{05A4C25C-085E-4340-85A3-A5531E510DB2}">
-      <thm15:themeFamily xmlns:thm15="http://schemas.microsoft.com/office/thememl/2012/main" name="Office Theme" id="{62F939B6-93AF-4DB8-9C6B-D6C7DFDC589F}" vid="{4A3C46E8-61CC-4603-A589-7422A47A8E4A}"/>
+      <thm15:themeFamily xmlns:thm15="http://schemas.microsoft.com/office/thememl/2012/main" xmlns="" name="Office Theme" id="{62F939B6-93AF-4DB8-9C6B-D6C7DFDC589F}" vid="{4A3C46E8-61CC-4603-A589-7422A47A8E4A}"/>
     </a:ext>
   </a:extLst>
 </a:theme>
@@ -5814,7 +6315,7 @@
   <a:extraClrSchemeLst/>
   <a:extLst>
     <a:ext uri="{05A4C25C-085E-4340-85A3-A5531E510DB2}">
-      <thm15:themeFamily xmlns:thm15="http://schemas.microsoft.com/office/thememl/2012/main" name="Office Theme" id="{62F939B6-93AF-4DB8-9C6B-D6C7DFDC589F}" vid="{4A3C46E8-61CC-4603-A589-7422A47A8E4A}"/>
+      <thm15:themeFamily xmlns:thm15="http://schemas.microsoft.com/office/thememl/2012/main" xmlns="" name="Office Theme" id="{62F939B6-93AF-4DB8-9C6B-D6C7DFDC589F}" vid="{4A3C46E8-61CC-4603-A589-7422A47A8E4A}"/>
     </a:ext>
   </a:extLst>
 </a:theme>
@@ -6075,7 +6576,7 @@
   <a:extraClrSchemeLst/>
   <a:extLst>
     <a:ext uri="{05A4C25C-085E-4340-85A3-A5531E510DB2}">
-      <thm15:themeFamily xmlns:thm15="http://schemas.microsoft.com/office/thememl/2012/main" name="Office Theme" id="{62F939B6-93AF-4DB8-9C6B-D6C7DFDC589F}" vid="{4A3C46E8-61CC-4603-A589-7422A47A8E4A}"/>
+      <thm15:themeFamily xmlns:thm15="http://schemas.microsoft.com/office/thememl/2012/main" xmlns="" name="Office Theme" id="{62F939B6-93AF-4DB8-9C6B-D6C7DFDC589F}" vid="{4A3C46E8-61CC-4603-A589-7422A47A8E4A}"/>
     </a:ext>
   </a:extLst>
 </a:theme>

--- a/Sec_18/現代の金融政策_19.pptx
+++ b/Sec_18/現代の金融政策_19.pptx
@@ -5,10 +5,10 @@
     <p:sldMasterId id="2147483768" r:id="rId1"/>
   </p:sldMasterIdLst>
   <p:notesMasterIdLst>
-    <p:notesMasterId r:id="rId9"/>
+    <p:notesMasterId r:id="rId10"/>
   </p:notesMasterIdLst>
   <p:handoutMasterIdLst>
-    <p:handoutMasterId r:id="rId10"/>
+    <p:handoutMasterId r:id="rId11"/>
   </p:handoutMasterIdLst>
   <p:sldIdLst>
     <p:sldId id="952" r:id="rId2"/>
@@ -17,7 +17,8 @@
     <p:sldId id="955" r:id="rId5"/>
     <p:sldId id="958" r:id="rId6"/>
     <p:sldId id="956" r:id="rId7"/>
-    <p:sldId id="957" r:id="rId8"/>
+    <p:sldId id="960" r:id="rId8"/>
+    <p:sldId id="959" r:id="rId9"/>
   </p:sldIdLst>
   <p:sldSz cx="9144000" cy="6858000" type="screen4x3"/>
   <p:notesSz cx="6858000" cy="9144000"/>
@@ -118,7 +119,7 @@
   </p:defaultTextStyle>
   <p:extLst>
     <p:ext uri="{EFAFB233-063F-42B5-8137-9DF3F51BA10A}">
-      <p15:sldGuideLst xmlns:p15="http://schemas.microsoft.com/office/powerpoint/2012/main" xmlns="">
+      <p15:sldGuideLst xmlns:p15="http://schemas.microsoft.com/office/powerpoint/2012/main">
         <p15:guide id="1" orient="horz" pos="2160" userDrawn="1">
           <p15:clr>
             <a:srgbClr val="A4A3A4"/>
@@ -132,7 +133,7 @@
       </p15:sldGuideLst>
     </p:ext>
     <p:ext uri="{2D200454-40CA-4A62-9FC3-DE9A4176ACB9}">
-      <p15:notesGuideLst xmlns:p15="http://schemas.microsoft.com/office/powerpoint/2012/main" xmlns=""/>
+      <p15:notesGuideLst xmlns:p15="http://schemas.microsoft.com/office/powerpoint/2012/main"/>
     </p:ext>
   </p:extLst>
 </p:presentation>
@@ -220,7 +221,7 @@
           <a:p>
             <a:fld id="{3F136F1A-FE36-4A59-A811-D828BB54BDD2}" type="datetime1">
               <a:rPr kumimoji="1" lang="ja-JP" altLang="en-US" smtClean="0"/>
-              <a:t>2018/8/2</a:t>
+              <a:t>2018/8/4</a:t>
             </a:fld>
             <a:endParaRPr kumimoji="1" lang="ja-JP" altLang="en-US"/>
           </a:p>
@@ -386,7 +387,7 @@
           <a:p>
             <a:fld id="{226C42E8-005F-46D7-AA53-D596D543FBA7}" type="datetime1">
               <a:rPr kumimoji="1" lang="ja-JP" altLang="en-US" smtClean="0"/>
-              <a:t>2018/8/2</a:t>
+              <a:t>2018/8/4</a:t>
             </a:fld>
             <a:endParaRPr kumimoji="1" lang="ja-JP" altLang="en-US"/>
           </a:p>
@@ -752,7 +753,7 @@
           <a:p>
             <a:fld id="{DF70F694-2B18-4509-A853-01A6DE26FB3C}" type="datetime1">
               <a:rPr kumimoji="1" lang="ja-JP" altLang="en-US" smtClean="0"/>
-              <a:t>2018/8/2</a:t>
+              <a:t>2018/8/4</a:t>
             </a:fld>
             <a:endParaRPr kumimoji="1" lang="ja-JP" altLang="en-US"/>
           </a:p>
@@ -4150,12 +4151,12 @@
           </a:lstStyle>
           <a:p>
             <a:r>
-              <a:rPr lang="en-US" altLang="ja-JP" sz="2000" b="0" smtClean="0">
+              <a:rPr lang="en-US" altLang="ja-JP" sz="2000" b="0" dirty="0" smtClean="0">
                 <a:solidFill>
                   <a:schemeClr val="tx1"/>
                 </a:solidFill>
               </a:rPr>
-              <a:t>2018/7/30</a:t>
+              <a:t>2018/8/6</a:t>
             </a:r>
             <a:endParaRPr lang="en-US" altLang="ja-JP" sz="2000" b="0" dirty="0" smtClean="0">
               <a:solidFill>
@@ -4382,7 +4383,27 @@
             </a:pPr>
             <a:r>
               <a:rPr kumimoji="1" lang="ja-JP" altLang="en-US" dirty="0" smtClean="0"/>
-              <a:t>実務上の最適解はどこか？</a:t>
+              <a:t>デフレが起こる可能性は</a:t>
+            </a:r>
+            <a:r>
+              <a:rPr kumimoji="1" lang="en-US" altLang="ja-JP" dirty="0" smtClean="0"/>
+              <a:t>(</a:t>
+            </a:r>
+            <a:r>
+              <a:rPr lang="ja-JP" altLang="en-US" dirty="0"/>
+              <a:t>今</a:t>
+            </a:r>
+            <a:r>
+              <a:rPr lang="ja-JP" altLang="en-US" dirty="0" smtClean="0"/>
+              <a:t>は</a:t>
+            </a:r>
+            <a:r>
+              <a:rPr kumimoji="1" lang="en-US" altLang="ja-JP" dirty="0" smtClean="0"/>
+              <a:t>)</a:t>
+            </a:r>
+            <a:r>
+              <a:rPr kumimoji="1" lang="ja-JP" altLang="en-US" dirty="0" smtClean="0"/>
+              <a:t>低い。</a:t>
             </a:r>
             <a:endParaRPr kumimoji="1" lang="en-US" altLang="ja-JP" dirty="0" smtClean="0"/>
           </a:p>
@@ -4882,17 +4903,26 @@
             </a:pPr>
             <a:r>
               <a:rPr kumimoji="1" lang="ja-JP" altLang="en-US" dirty="0" smtClean="0"/>
-              <a:t>「名目賃金の下方硬直性」がなかった</a:t>
-            </a:r>
-            <a:endParaRPr lang="en-US" altLang="ja-JP" dirty="0"/>
-          </a:p>
-          <a:p>
-            <a:pPr marL="457200" lvl="1" indent="0">
-              <a:buNone/>
-            </a:pPr>
-            <a:r>
-              <a:rPr lang="ja-JP" altLang="en-US" dirty="0" smtClean="0"/>
-              <a:t>→労働者</a:t>
+              <a:t>「名目賃金の下方硬直性」が</a:t>
+            </a:r>
+            <a:r>
+              <a:rPr kumimoji="1" lang="ja-JP" altLang="en-US" dirty="0" smtClean="0"/>
+              <a:t>なかった</a:t>
+            </a:r>
+            <a:r>
+              <a:rPr lang="en-US" altLang="ja-JP" dirty="0"/>
+              <a:t/>
+            </a:r>
+            <a:br>
+              <a:rPr lang="en-US" altLang="ja-JP" dirty="0"/>
+            </a:br>
+            <a:r>
+              <a:rPr lang="ja-JP" altLang="en-US" dirty="0" smtClean="0"/>
+              <a:t>→</a:t>
+            </a:r>
+            <a:r>
+              <a:rPr lang="ja-JP" altLang="en-US" dirty="0" smtClean="0"/>
+              <a:t>労働者</a:t>
             </a:r>
             <a:r>
               <a:rPr lang="ja-JP" altLang="en-US" dirty="0"/>
@@ -4921,29 +4951,26 @@
               <a:rPr lang="en-US" altLang="ja-JP" dirty="0" smtClean="0"/>
               <a:t>)</a:t>
             </a:r>
-          </a:p>
-          <a:p>
-            <a:pPr marL="0" indent="0">
-              <a:buNone/>
-            </a:pPr>
-            <a:endParaRPr lang="en-US" altLang="ja-JP" dirty="0" smtClean="0"/>
           </a:p>
           <a:p>
             <a:pPr marL="457200" indent="-457200">
               <a:buFont typeface="+mj-lt"/>
               <a:buAutoNum type="arabicPeriod"/>
             </a:pPr>
+            <a:endParaRPr lang="en-US" altLang="ja-JP" dirty="0" smtClean="0"/>
+          </a:p>
+          <a:p>
+            <a:pPr marL="457200" indent="-457200">
+              <a:buFont typeface="+mj-lt"/>
+              <a:buAutoNum type="arabicPeriod"/>
+            </a:pPr>
             <a:r>
               <a:rPr lang="ja-JP" altLang="en-US" dirty="0" smtClean="0"/>
               <a:t>ゼロ</a:t>
             </a:r>
             <a:r>
               <a:rPr lang="ja-JP" altLang="en-US" dirty="0" smtClean="0"/>
-              <a:t>金利</a:t>
-            </a:r>
-            <a:r>
-              <a:rPr lang="ja-JP" altLang="en-US" dirty="0" smtClean="0"/>
-              <a:t>制約</a:t>
+              <a:t>金利制約</a:t>
             </a:r>
             <a:endParaRPr lang="en-US" altLang="ja-JP" dirty="0" smtClean="0"/>
           </a:p>
@@ -4953,11 +4980,7 @@
             </a:pPr>
             <a:r>
               <a:rPr lang="ja-JP" altLang="en-US" dirty="0" smtClean="0"/>
-              <a:t>一般に、「名目市場</a:t>
-            </a:r>
-            <a:r>
-              <a:rPr lang="ja-JP" altLang="en-US" dirty="0" smtClean="0"/>
-              <a:t>金利＝物価上昇率＋市場実質金利」</a:t>
+              <a:t>一般に、「名目市場金利＝物価上昇率＋市場実質金利」</a:t>
             </a:r>
             <a:endParaRPr lang="en-US" altLang="ja-JP" dirty="0"/>
           </a:p>
@@ -4975,11 +4998,7 @@
             </a:r>
             <a:r>
               <a:rPr lang="ja-JP" altLang="en-US" dirty="0" smtClean="0"/>
-              <a:t>実質</a:t>
-            </a:r>
-            <a:r>
-              <a:rPr lang="ja-JP" altLang="en-US" dirty="0" smtClean="0"/>
-              <a:t>金利の上昇</a:t>
+              <a:t>実質金利の上昇</a:t>
             </a:r>
             <a:r>
               <a:rPr lang="en-US" altLang="ja-JP" dirty="0" smtClean="0"/>
@@ -4996,11 +5015,7 @@
             </a:r>
             <a:r>
               <a:rPr lang="ja-JP" altLang="en-US" dirty="0" smtClean="0"/>
-              <a:t>実質</a:t>
-            </a:r>
-            <a:r>
-              <a:rPr lang="ja-JP" altLang="en-US" dirty="0" smtClean="0"/>
-              <a:t>金利の低下⇔投資増加）</a:t>
+              <a:t>実質金利の低下⇔投資増加）</a:t>
             </a:r>
             <a:endParaRPr lang="en-US" altLang="ja-JP" dirty="0" smtClean="0"/>
           </a:p>
@@ -5143,7 +5158,6 @@
               <a:rPr lang="en-US" altLang="ja-JP" dirty="0"/>
               <a:t>.</a:t>
             </a:r>
-            <a:endParaRPr lang="en-US" altLang="ja-JP" dirty="0"/>
           </a:p>
           <a:p>
             <a:endParaRPr kumimoji="1" lang="en-US" altLang="ja-JP" dirty="0" smtClean="0"/>
@@ -5580,13 +5594,421 @@
           <a:bodyPr/>
           <a:lstStyle/>
           <a:p>
+            <a:pPr marL="0" indent="0">
+              <a:buNone/>
+            </a:pPr>
             <a:r>
               <a:rPr kumimoji="1" lang="ja-JP" altLang="en-US" dirty="0" smtClean="0"/>
-              <a:t>名目市場金利＝均衡実質金利＋予想物価上昇率</a:t>
+              <a:t>ゼロ金利制約とは？</a:t>
+            </a:r>
+            <a:endParaRPr kumimoji="1" lang="en-US" altLang="ja-JP" dirty="0" smtClean="0"/>
+          </a:p>
+          <a:p>
+            <a:pPr marL="0" indent="0">
+              <a:buNone/>
+            </a:pPr>
+            <a:r>
+              <a:rPr lang="ja-JP" altLang="en-US" dirty="0" smtClean="0"/>
+              <a:t>①ゼロ金利下限</a:t>
+            </a:r>
+            <a:endParaRPr kumimoji="1" lang="en-US" altLang="ja-JP" dirty="0" smtClean="0"/>
+          </a:p>
+          <a:p>
+            <a:r>
+              <a:rPr kumimoji="1" lang="ja-JP" altLang="en-US" dirty="0" smtClean="0"/>
+              <a:t>名目</a:t>
+            </a:r>
+            <a:r>
+              <a:rPr kumimoji="1" lang="ja-JP" altLang="en-US" dirty="0" smtClean="0"/>
+              <a:t>市場</a:t>
+            </a:r>
+            <a:r>
+              <a:rPr kumimoji="1" lang="ja-JP" altLang="en-US" dirty="0" smtClean="0"/>
+              <a:t>金利</a:t>
+            </a:r>
+            <a:r>
+              <a:rPr kumimoji="1" lang="en-US" altLang="ja-JP" dirty="0" smtClean="0"/>
+              <a:t>:</a:t>
+            </a:r>
+            <a:r>
+              <a:rPr kumimoji="1" lang="ja-JP" altLang="en-US" dirty="0" smtClean="0"/>
+              <a:t>＝</a:t>
+            </a:r>
+            <a:r>
+              <a:rPr kumimoji="1" lang="ja-JP" altLang="en-US" dirty="0" smtClean="0"/>
+              <a:t>均衡実質金利＋予想物価</a:t>
+            </a:r>
+            <a:r>
+              <a:rPr kumimoji="1" lang="ja-JP" altLang="en-US" dirty="0" smtClean="0"/>
+              <a:t>上昇率</a:t>
+            </a:r>
+            <a:r>
+              <a:rPr lang="en-US" altLang="ja-JP" dirty="0"/>
+              <a:t> </a:t>
+            </a:r>
+            <a:r>
+              <a:rPr lang="en-US" altLang="ja-JP" dirty="0" smtClean="0"/>
+              <a:t>(</a:t>
+            </a:r>
+            <a:r>
+              <a:rPr lang="en-US" altLang="ja-JP" b="1" dirty="0" err="1" smtClean="0"/>
+              <a:t>i</a:t>
+            </a:r>
+            <a:r>
+              <a:rPr lang="en-US" altLang="ja-JP" b="1" dirty="0" smtClean="0"/>
+              <a:t>:=r+π</a:t>
+            </a:r>
+            <a:r>
+              <a:rPr lang="en-US" altLang="ja-JP" dirty="0" smtClean="0"/>
+              <a:t>)</a:t>
+            </a:r>
+            <a:r>
+              <a:rPr lang="en-US" altLang="ja-JP" b="1" dirty="0" smtClean="0"/>
+              <a:t/>
+            </a:r>
+            <a:br>
+              <a:rPr lang="en-US" altLang="ja-JP" b="1" dirty="0" smtClean="0"/>
+            </a:br>
+            <a:r>
+              <a:rPr lang="ja-JP" altLang="en-US" dirty="0" smtClean="0"/>
+              <a:t>今、金融緩和などによって、</a:t>
+            </a:r>
+            <a:r>
+              <a:rPr lang="en-US" altLang="ja-JP" dirty="0" err="1" smtClean="0"/>
+              <a:t>i</a:t>
+            </a:r>
+            <a:r>
+              <a:rPr lang="en-US" altLang="ja-JP" dirty="0" smtClean="0"/>
+              <a:t>=0%</a:t>
+            </a:r>
+            <a:r>
+              <a:rPr lang="ja-JP" altLang="en-US" dirty="0" smtClean="0"/>
+              <a:t> になるとする</a:t>
+            </a:r>
+            <a:r>
+              <a:rPr lang="en-US" altLang="ja-JP" dirty="0" smtClean="0"/>
+              <a:t>.</a:t>
+            </a:r>
+            <a:br>
+              <a:rPr lang="en-US" altLang="ja-JP" dirty="0" smtClean="0"/>
+            </a:br>
+            <a:r>
+              <a:rPr lang="en-US" altLang="ja-JP" dirty="0"/>
+              <a:t> </a:t>
+            </a:r>
+            <a:r>
+              <a:rPr lang="en-US" altLang="ja-JP" dirty="0" smtClean="0"/>
+              <a:t>	</a:t>
+            </a:r>
+            <a:r>
+              <a:rPr lang="en-US" altLang="ja-JP" dirty="0" err="1" smtClean="0"/>
+              <a:t>i</a:t>
+            </a:r>
+            <a:r>
+              <a:rPr lang="en-US" altLang="ja-JP" dirty="0" smtClean="0"/>
+              <a:t>-Δ=(r-Δ)+π (=0) 		Δ</a:t>
+            </a:r>
+            <a:r>
+              <a:rPr lang="en-US" altLang="ja-JP" dirty="0"/>
+              <a:t>:</a:t>
+            </a:r>
+            <a:r>
+              <a:rPr lang="ja-JP" altLang="en-US" dirty="0" smtClean="0"/>
+              <a:t>名目金利の下げ幅</a:t>
+            </a:r>
+            <a:r>
+              <a:rPr lang="en-US" altLang="ja-JP" dirty="0"/>
+              <a:t/>
+            </a:r>
+            <a:br>
+              <a:rPr lang="en-US" altLang="ja-JP" dirty="0"/>
+            </a:br>
+            <a:r>
+              <a:rPr lang="en-US" altLang="ja-JP" dirty="0"/>
+              <a:t>	</a:t>
+            </a:r>
+            <a:r>
+              <a:rPr lang="en-US" altLang="ja-JP" dirty="0" smtClean="0"/>
+              <a:t>…</a:t>
+            </a:r>
+            <a:r>
+              <a:rPr lang="ja-JP" altLang="en-US" dirty="0" smtClean="0"/>
+              <a:t>修正された名目金利は</a:t>
+            </a:r>
+            <a:r>
+              <a:rPr lang="en-US" altLang="ja-JP" dirty="0" err="1" smtClean="0"/>
+              <a:t>i</a:t>
+            </a:r>
+            <a:r>
+              <a:rPr lang="en-US" altLang="ja-JP" dirty="0" smtClean="0"/>
+              <a:t>’</a:t>
+            </a:r>
+            <a:r>
+              <a:rPr lang="ja-JP" altLang="en-US" dirty="0" err="1" smtClean="0"/>
+              <a:t>、</a:t>
+            </a:r>
+            <a:r>
+              <a:rPr lang="ja-JP" altLang="en-US" dirty="0" smtClean="0"/>
+              <a:t>市場実質金利は</a:t>
+            </a:r>
+            <a:r>
+              <a:rPr lang="en-US" altLang="ja-JP" dirty="0" smtClean="0"/>
+              <a:t>r’(=r-Δ)</a:t>
+            </a:r>
+            <a:r>
+              <a:rPr lang="ja-JP" altLang="en-US" dirty="0" smtClean="0"/>
+              <a:t>とする</a:t>
+            </a:r>
+            <a:r>
+              <a:rPr lang="en-US" altLang="ja-JP" dirty="0" smtClean="0"/>
+              <a:t>.</a:t>
+            </a:r>
+          </a:p>
+          <a:p>
+            <a:r>
+              <a:rPr lang="ja-JP" altLang="en-US" dirty="0" smtClean="0"/>
+              <a:t>ここで、物価上昇率が</a:t>
+            </a:r>
+            <a:r>
+              <a:rPr lang="en-US" altLang="ja-JP" dirty="0" smtClean="0"/>
+              <a:t>π</a:t>
+            </a:r>
+            <a:r>
+              <a:rPr lang="ja-JP" altLang="en-US" dirty="0" smtClean="0"/>
+              <a:t>→</a:t>
+            </a:r>
+            <a:r>
+              <a:rPr lang="en-US" altLang="ja-JP" dirty="0" smtClean="0"/>
+              <a:t>π-ε</a:t>
+            </a:r>
+            <a:r>
+              <a:rPr lang="ja-JP" altLang="en-US" dirty="0" smtClean="0"/>
+              <a:t>に下がったとする</a:t>
+            </a:r>
+            <a:r>
+              <a:rPr lang="en-US" altLang="ja-JP" dirty="0" smtClean="0"/>
+              <a:t>.</a:t>
+            </a:r>
+            <a:br>
+              <a:rPr lang="en-US" altLang="ja-JP" dirty="0" smtClean="0"/>
+            </a:br>
+            <a:r>
+              <a:rPr lang="en-US" altLang="ja-JP" dirty="0" smtClean="0"/>
+              <a:t>	</a:t>
+            </a:r>
+            <a:r>
+              <a:rPr lang="ja-JP" altLang="en-US" dirty="0" smtClean="0"/>
+              <a:t>名目金利はマイナスにならないので、</a:t>
+            </a:r>
+            <a:r>
+              <a:rPr lang="en-US" altLang="ja-JP" dirty="0" smtClean="0"/>
+              <a:t>r</a:t>
+            </a:r>
+            <a:r>
+              <a:rPr lang="ja-JP" altLang="en-US" dirty="0" smtClean="0"/>
+              <a:t>’→</a:t>
+            </a:r>
+            <a:r>
+              <a:rPr lang="en-US" altLang="ja-JP" dirty="0" smtClean="0"/>
+              <a:t>r</a:t>
+            </a:r>
+            <a:r>
+              <a:rPr lang="ja-JP" altLang="en-US" dirty="0" smtClean="0"/>
+              <a:t>’</a:t>
+            </a:r>
+            <a:r>
+              <a:rPr lang="en-US" altLang="ja-JP" dirty="0"/>
+              <a:t>+</a:t>
+            </a:r>
+            <a:r>
+              <a:rPr lang="en-US" altLang="ja-JP" dirty="0" smtClean="0"/>
+              <a:t>ε</a:t>
+            </a:r>
+            <a:r>
+              <a:rPr lang="ja-JP" altLang="en-US" dirty="0" smtClean="0"/>
+              <a:t>になる</a:t>
+            </a:r>
+            <a:r>
+              <a:rPr lang="en-US" altLang="ja-JP" dirty="0" smtClean="0"/>
+              <a:t>.</a:t>
+            </a:r>
+            <a:br>
+              <a:rPr lang="en-US" altLang="ja-JP" dirty="0" smtClean="0"/>
+            </a:br>
+            <a:r>
+              <a:rPr lang="ja-JP" altLang="en-US" dirty="0" smtClean="0"/>
+              <a:t>そうすると、</a:t>
+            </a:r>
+            <a:r>
+              <a:rPr lang="en-US" altLang="ja-JP" dirty="0" smtClean="0"/>
+              <a:t>(</a:t>
+            </a:r>
+            <a:r>
+              <a:rPr lang="ja-JP" altLang="en-US" dirty="0" smtClean="0"/>
+              <a:t>新しい</a:t>
+            </a:r>
+            <a:r>
+              <a:rPr lang="en-US" altLang="ja-JP" dirty="0" smtClean="0"/>
+              <a:t>)</a:t>
+            </a:r>
+            <a:r>
+              <a:rPr lang="ja-JP" altLang="en-US" dirty="0" smtClean="0"/>
+              <a:t>市場実質金利</a:t>
+            </a:r>
+            <a:r>
+              <a:rPr lang="en-US" altLang="ja-JP" dirty="0" smtClean="0"/>
+              <a:t>r’’</a:t>
+            </a:r>
+            <a:r>
+              <a:rPr lang="ja-JP" altLang="en-US" dirty="0"/>
+              <a:t> </a:t>
+            </a:r>
+            <a:r>
+              <a:rPr lang="en-US" altLang="ja-JP" dirty="0" smtClean="0"/>
+              <a:t>=</a:t>
+            </a:r>
+            <a:r>
+              <a:rPr lang="en-US" altLang="ja-JP" dirty="0" err="1" smtClean="0"/>
+              <a:t>r-Δ+ε</a:t>
+            </a:r>
+            <a:r>
+              <a:rPr lang="en-US" altLang="ja-JP" dirty="0" smtClean="0"/>
+              <a:t> </a:t>
+            </a:r>
+            <a:r>
+              <a:rPr lang="ja-JP" altLang="en-US" dirty="0" smtClean="0"/>
+              <a:t>となる</a:t>
+            </a:r>
+            <a:r>
+              <a:rPr lang="en-US" altLang="ja-JP" dirty="0" smtClean="0"/>
+              <a:t>.</a:t>
+            </a:r>
+            <a:br>
+              <a:rPr lang="en-US" altLang="ja-JP" dirty="0" smtClean="0"/>
+            </a:br>
+            <a:r>
+              <a:rPr lang="ja-JP" altLang="en-US" dirty="0" smtClean="0"/>
+              <a:t>　⇒</a:t>
+            </a:r>
+            <a:r>
+              <a:rPr lang="en-US" altLang="ja-JP" dirty="0" smtClean="0"/>
+              <a:t>	</a:t>
+            </a:r>
+            <a:r>
+              <a:rPr lang="ja-JP" altLang="en-US" dirty="0" smtClean="0"/>
+              <a:t>市場実質金利が均衡実質金利</a:t>
+            </a:r>
+            <a:r>
+              <a:rPr lang="en-US" altLang="ja-JP" dirty="0" smtClean="0"/>
+              <a:t>(r’’&lt;r)</a:t>
+            </a:r>
+            <a:r>
+              <a:rPr lang="ja-JP" altLang="en-US" dirty="0" smtClean="0"/>
+              <a:t>を下回ると、</a:t>
+            </a:r>
+            <a:r>
+              <a:rPr lang="en-US" altLang="ja-JP" dirty="0" smtClean="0"/>
+              <a:t/>
+            </a:r>
+            <a:br>
+              <a:rPr lang="en-US" altLang="ja-JP" dirty="0" smtClean="0"/>
+            </a:br>
+            <a:r>
+              <a:rPr lang="ja-JP" altLang="en-US" dirty="0" smtClean="0"/>
+              <a:t>　　</a:t>
+            </a:r>
+            <a:r>
+              <a:rPr lang="en-US" altLang="ja-JP" dirty="0" smtClean="0"/>
+              <a:t>	</a:t>
+            </a:r>
+            <a:r>
+              <a:rPr lang="ja-JP" altLang="en-US" dirty="0" smtClean="0"/>
+              <a:t>投資価値がなくなり、金融緩和の意味がなくなる。</a:t>
+            </a:r>
+            <a:endParaRPr lang="en-US" altLang="ja-JP" dirty="0" smtClean="0"/>
+          </a:p>
+          <a:p>
+            <a:pPr marL="0" indent="0">
+              <a:buNone/>
+            </a:pPr>
+            <a:r>
+              <a:rPr lang="ja-JP" altLang="en-US" dirty="0" smtClean="0"/>
+              <a:t>②「金融政策の有効性制約」</a:t>
+            </a:r>
+            <a:r>
+              <a:rPr lang="en-US" altLang="ja-JP" dirty="0"/>
+              <a:t/>
+            </a:r>
+            <a:br>
+              <a:rPr lang="en-US" altLang="ja-JP" dirty="0"/>
+            </a:br>
+            <a:r>
+              <a:rPr lang="en-US" altLang="ja-JP" dirty="0" smtClean="0"/>
+              <a:t>	…ON</a:t>
+            </a:r>
+            <a:r>
+              <a:rPr lang="ja-JP" altLang="en-US" dirty="0" smtClean="0"/>
+              <a:t>金利</a:t>
+            </a:r>
+            <a:r>
+              <a:rPr lang="en-US" altLang="ja-JP" dirty="0" smtClean="0"/>
+              <a:t>(OIS)</a:t>
+            </a:r>
+            <a:r>
+              <a:rPr lang="ja-JP" altLang="en-US" dirty="0" smtClean="0"/>
+              <a:t>にどう影響するか？</a:t>
             </a:r>
             <a:endParaRPr lang="en-US" altLang="ja-JP" dirty="0"/>
           </a:p>
           <a:p>
+            <a:r>
+              <a:rPr lang="en-US" altLang="ja-JP" dirty="0" smtClean="0"/>
+              <a:t>Funding</a:t>
+            </a:r>
+            <a:r>
+              <a:rPr lang="ja-JP" altLang="en-US" dirty="0" smtClean="0"/>
+              <a:t>コスト</a:t>
+            </a:r>
+            <a:r>
+              <a:rPr lang="en-US" altLang="ja-JP" dirty="0" smtClean="0"/>
+              <a:t/>
+            </a:r>
+            <a:br>
+              <a:rPr lang="en-US" altLang="ja-JP" dirty="0" smtClean="0"/>
+            </a:br>
+            <a:r>
+              <a:rPr lang="en-US" altLang="ja-JP" dirty="0" smtClean="0"/>
+              <a:t>	</a:t>
+            </a:r>
+            <a:r>
+              <a:rPr lang="ja-JP" altLang="en-US" dirty="0" smtClean="0"/>
+              <a:t>→金融機関の資金調達としては、ウエイトが小さい</a:t>
+            </a:r>
+            <a:r>
+              <a:rPr lang="en-US" altLang="ja-JP" dirty="0" smtClean="0"/>
+              <a:t>.</a:t>
+            </a:r>
+            <a:br>
+              <a:rPr lang="en-US" altLang="ja-JP" dirty="0" smtClean="0"/>
+            </a:br>
+            <a:r>
+              <a:rPr lang="en-US" altLang="ja-JP" dirty="0" smtClean="0"/>
+              <a:t>	</a:t>
+            </a:r>
+            <a:r>
+              <a:rPr lang="ja-JP" altLang="en-US" dirty="0" smtClean="0"/>
+              <a:t>　ただし、長期金利も短期金利に応じて下がりはする</a:t>
+            </a:r>
+            <a:r>
+              <a:rPr lang="en-US" altLang="ja-JP" dirty="0" smtClean="0"/>
+              <a:t>.</a:t>
+            </a:r>
+          </a:p>
+          <a:p>
+            <a:r>
+              <a:rPr lang="ja-JP" altLang="en-US" dirty="0" smtClean="0"/>
+              <a:t>将来の政策金利の情報</a:t>
+            </a:r>
             <a:endParaRPr kumimoji="1" lang="en-US" altLang="ja-JP" dirty="0" smtClean="0"/>
           </a:p>
           <a:p>
@@ -5693,7 +6115,7 @@
           <a:p>
             <a:r>
               <a:rPr kumimoji="1" lang="en-US" altLang="ja-JP" dirty="0" smtClean="0"/>
-              <a:t>19-1 </a:t>
+              <a:t>19-3 </a:t>
             </a:r>
             <a:r>
               <a:rPr lang="ja-JP" altLang="en-US" dirty="0"/>
@@ -5717,21 +6139,368 @@
             <p:ph idx="1"/>
           </p:nvPr>
         </p:nvSpPr>
-        <p:spPr/>
+        <p:spPr>
+          <a:xfrm>
+            <a:off x="628649" y="828086"/>
+            <a:ext cx="8320617" cy="5741156"/>
+          </a:xfrm>
+        </p:spPr>
         <p:txBody>
           <a:bodyPr/>
           <a:lstStyle/>
           <a:p>
             <a:r>
+              <a:rPr kumimoji="1" lang="ja-JP" altLang="en-US" dirty="0" smtClean="0"/>
+              <a:t>どういうことをもたらすか？</a:t>
+            </a:r>
+            <a:endParaRPr kumimoji="1" lang="en-US" altLang="ja-JP" dirty="0" smtClean="0"/>
+          </a:p>
+          <a:p>
+            <a:pPr marL="457200" indent="-457200">
+              <a:buFont typeface="+mj-lt"/>
+              <a:buAutoNum type="arabicPeriod"/>
+            </a:pPr>
+            <a:r>
+              <a:rPr lang="ja-JP" altLang="en-US" dirty="0"/>
+              <a:t>均衡実質金利が下落する</a:t>
+            </a:r>
+            <a:r>
+              <a:rPr lang="ja-JP" altLang="en-US" dirty="0" smtClean="0"/>
+              <a:t>ケース</a:t>
+            </a:r>
+            <a:r>
+              <a:rPr lang="en-US" altLang="ja-JP" dirty="0" smtClean="0"/>
+              <a:t/>
+            </a:r>
+            <a:br>
+              <a:rPr lang="en-US" altLang="ja-JP" dirty="0" smtClean="0"/>
+            </a:br>
+            <a:r>
+              <a:rPr lang="ja-JP" altLang="en-US" dirty="0" smtClean="0"/>
+              <a:t>市場実質金利</a:t>
+            </a:r>
+            <a:r>
+              <a:rPr lang="en-US" altLang="ja-JP" dirty="0" smtClean="0"/>
+              <a:t>&gt;</a:t>
+            </a:r>
+            <a:r>
+              <a:rPr lang="ja-JP" altLang="en-US" dirty="0" smtClean="0"/>
+              <a:t>均衡実質金利となり、緩和のコミット薄い</a:t>
+            </a:r>
+            <a:r>
+              <a:rPr lang="en-US" altLang="ja-JP" dirty="0" smtClean="0"/>
+              <a:t>.</a:t>
+            </a:r>
+            <a:br>
+              <a:rPr lang="en-US" altLang="ja-JP" dirty="0" smtClean="0"/>
+            </a:br>
+            <a:r>
+              <a:rPr lang="ja-JP" altLang="en-US" dirty="0" smtClean="0"/>
+              <a:t>→</a:t>
+            </a:r>
+            <a:r>
+              <a:rPr lang="en-US" altLang="ja-JP" dirty="0" smtClean="0"/>
+              <a:t>(</a:t>
+            </a:r>
+            <a:r>
+              <a:rPr lang="ja-JP" altLang="en-US" dirty="0" smtClean="0"/>
+              <a:t>直近の</a:t>
+            </a:r>
+            <a:r>
+              <a:rPr lang="en-US" altLang="ja-JP" dirty="0" smtClean="0"/>
+              <a:t>)</a:t>
+            </a:r>
+            <a:r>
+              <a:rPr lang="ja-JP" altLang="en-US" dirty="0" smtClean="0"/>
+              <a:t>物価下落　→</a:t>
+            </a:r>
+            <a:r>
+              <a:rPr lang="en-US" altLang="ja-JP" dirty="0" smtClean="0"/>
+              <a:t>(</a:t>
+            </a:r>
+            <a:r>
+              <a:rPr lang="ja-JP" altLang="en-US" dirty="0" smtClean="0"/>
+              <a:t>将来の</a:t>
+            </a:r>
+            <a:r>
+              <a:rPr lang="en-US" altLang="ja-JP" dirty="0" smtClean="0"/>
+              <a:t>)</a:t>
+            </a:r>
+            <a:r>
+              <a:rPr lang="ja-JP" altLang="en-US" dirty="0" smtClean="0"/>
+              <a:t>物価上昇率も下落</a:t>
+            </a:r>
+            <a:endParaRPr lang="en-US" altLang="ja-JP" dirty="0" smtClean="0"/>
+          </a:p>
+          <a:p>
+            <a:pPr marL="457200" indent="-457200">
+              <a:buFont typeface="+mj-lt"/>
+              <a:buAutoNum type="arabicPeriod"/>
+            </a:pPr>
+            <a:r>
+              <a:rPr lang="ja-JP" altLang="en-US" dirty="0" smtClean="0"/>
+              <a:t>予想物価上昇率が</a:t>
+            </a:r>
+            <a:r>
+              <a:rPr lang="ja-JP" altLang="en-US" dirty="0"/>
+              <a:t>下落する</a:t>
+            </a:r>
+            <a:r>
+              <a:rPr lang="ja-JP" altLang="en-US" dirty="0" smtClean="0"/>
+              <a:t>ケース</a:t>
+            </a:r>
+            <a:r>
+              <a:rPr lang="en-US" altLang="ja-JP" dirty="0" smtClean="0"/>
+              <a:t/>
+            </a:r>
+            <a:br>
+              <a:rPr lang="en-US" altLang="ja-JP" dirty="0" smtClean="0"/>
+            </a:br>
+            <a:r>
+              <a:rPr lang="ja-JP" altLang="en-US" dirty="0" smtClean="0"/>
+              <a:t>市場</a:t>
+            </a:r>
+            <a:r>
+              <a:rPr lang="ja-JP" altLang="en-US" dirty="0"/>
+              <a:t>実質金利</a:t>
+            </a:r>
+            <a:r>
+              <a:rPr lang="en-US" altLang="ja-JP" dirty="0"/>
+              <a:t>&gt;</a:t>
+            </a:r>
+            <a:r>
+              <a:rPr lang="ja-JP" altLang="en-US" dirty="0"/>
+              <a:t>均衡実質金利となり、緩和のコミット薄い</a:t>
+            </a:r>
+            <a:r>
+              <a:rPr lang="en-US" altLang="ja-JP" dirty="0"/>
+              <a:t>.</a:t>
+            </a:r>
+            <a:br>
+              <a:rPr lang="en-US" altLang="ja-JP" dirty="0"/>
+            </a:br>
+            <a:r>
+              <a:rPr lang="ja-JP" altLang="en-US" dirty="0" smtClean="0"/>
+              <a:t>→</a:t>
+            </a:r>
+            <a:r>
+              <a:rPr lang="en-US" altLang="ja-JP" dirty="0" smtClean="0"/>
+              <a:t>(</a:t>
+            </a:r>
+            <a:r>
+              <a:rPr lang="ja-JP" altLang="en-US" dirty="0" smtClean="0"/>
+              <a:t>将来の</a:t>
+            </a:r>
+            <a:r>
+              <a:rPr lang="en-US" altLang="ja-JP" dirty="0" smtClean="0"/>
+              <a:t>)</a:t>
+            </a:r>
+            <a:r>
+              <a:rPr lang="ja-JP" altLang="en-US" dirty="0" smtClean="0"/>
+              <a:t>物価</a:t>
+            </a:r>
+            <a:r>
+              <a:rPr lang="ja-JP" altLang="en-US" dirty="0"/>
+              <a:t>下落　→</a:t>
+            </a:r>
+            <a:r>
+              <a:rPr lang="en-US" altLang="ja-JP" dirty="0" smtClean="0"/>
+              <a:t>(</a:t>
+            </a:r>
+            <a:r>
+              <a:rPr lang="ja-JP" altLang="en-US" dirty="0" smtClean="0"/>
+              <a:t>直近の</a:t>
+            </a:r>
+            <a:r>
+              <a:rPr lang="en-US" altLang="ja-JP" dirty="0" smtClean="0"/>
+              <a:t>)</a:t>
+            </a:r>
+            <a:r>
+              <a:rPr lang="ja-JP" altLang="en-US" dirty="0"/>
+              <a:t>物価上昇率も下落</a:t>
+            </a:r>
+            <a:endParaRPr lang="en-US" altLang="ja-JP" dirty="0"/>
+          </a:p>
+          <a:p>
+            <a:pPr marL="457200" indent="-457200">
+              <a:buFont typeface="+mj-lt"/>
+              <a:buAutoNum type="arabicPeriod"/>
+            </a:pPr>
+            <a:r>
+              <a:rPr lang="ja-JP" altLang="en-US" dirty="0" smtClean="0"/>
+              <a:t>一時的ショック？永続的</a:t>
+            </a:r>
+            <a:r>
+              <a:rPr lang="ja-JP" altLang="en-US" dirty="0"/>
+              <a:t>ショック</a:t>
+            </a:r>
+            <a:r>
+              <a:rPr lang="ja-JP" altLang="en-US" dirty="0" smtClean="0"/>
+              <a:t>？</a:t>
+            </a:r>
+            <a:r>
+              <a:rPr lang="en-US" altLang="ja-JP" dirty="0" smtClean="0"/>
+              <a:t/>
+            </a:r>
+            <a:br>
+              <a:rPr lang="en-US" altLang="ja-JP" dirty="0" smtClean="0"/>
+            </a:br>
+            <a:r>
+              <a:rPr lang="ja-JP" altLang="en-US" dirty="0" smtClean="0"/>
+              <a:t>→イールドカーブで判断</a:t>
+            </a:r>
+            <a:r>
+              <a:rPr lang="en-US" altLang="ja-JP" dirty="0" smtClean="0"/>
+              <a:t>. (</a:t>
+            </a:r>
+            <a:r>
+              <a:rPr lang="ja-JP" altLang="en-US" dirty="0" smtClean="0"/>
+              <a:t>長期金利への影響度</a:t>
+            </a:r>
+            <a:r>
+              <a:rPr lang="en-US" altLang="ja-JP" dirty="0" smtClean="0"/>
+              <a:t>)</a:t>
+            </a:r>
+            <a:endParaRPr lang="en-US" altLang="ja-JP" dirty="0"/>
+          </a:p>
+          <a:p>
+            <a:r>
+              <a:rPr kumimoji="1" lang="ja-JP" altLang="en-US" dirty="0" smtClean="0"/>
+              <a:t>実際、</a:t>
+            </a:r>
+            <a:r>
               <a:rPr kumimoji="1" lang="en-US" altLang="ja-JP" dirty="0" smtClean="0"/>
-              <a:t>2</a:t>
+              <a:t>2000s</a:t>
+            </a:r>
+            <a:r>
+              <a:rPr kumimoji="1" lang="ja-JP" altLang="en-US" dirty="0" smtClean="0"/>
+              <a:t>の日本はどうであった</a:t>
+            </a:r>
+            <a:r>
+              <a:rPr lang="ja-JP" altLang="en-US" dirty="0" smtClean="0"/>
+              <a:t>？</a:t>
+            </a:r>
+            <a:endParaRPr lang="en-US" altLang="ja-JP" dirty="0"/>
+          </a:p>
+          <a:p>
+            <a:pPr marL="457200" indent="-457200">
+              <a:buFont typeface="+mj-lt"/>
+              <a:buAutoNum type="arabicPeriod"/>
+            </a:pPr>
+            <a:r>
+              <a:rPr kumimoji="1" lang="en-US" altLang="ja-JP" dirty="0" smtClean="0"/>
+              <a:t>YC</a:t>
+            </a:r>
+            <a:r>
+              <a:rPr kumimoji="1" lang="ja-JP" altLang="en-US" dirty="0" smtClean="0"/>
+              <a:t>はフラットにならない</a:t>
+            </a:r>
+            <a:r>
+              <a:rPr kumimoji="1" lang="en-US" altLang="ja-JP" dirty="0" smtClean="0"/>
+              <a:t>.</a:t>
+            </a:r>
+          </a:p>
+          <a:p>
+            <a:pPr marL="457200" indent="-457200">
+              <a:buFont typeface="+mj-lt"/>
+              <a:buAutoNum type="arabicPeriod"/>
+            </a:pPr>
+            <a:r>
+              <a:rPr lang="ja-JP" altLang="en-US" dirty="0" smtClean="0"/>
+              <a:t>企業経営者の将来の成長率予想は大きく変わらず</a:t>
+            </a:r>
+            <a:r>
+              <a:rPr lang="en-US" altLang="ja-JP" dirty="0" smtClean="0"/>
+              <a:t>.</a:t>
+            </a:r>
+          </a:p>
+          <a:p>
+            <a:pPr marL="457200" indent="-457200">
+              <a:buFont typeface="+mj-lt"/>
+              <a:buAutoNum type="arabicPeriod"/>
+            </a:pPr>
+            <a:r>
+              <a:rPr kumimoji="1" lang="ja-JP" altLang="en-US" dirty="0"/>
+              <a:t>当時</a:t>
+            </a:r>
+            <a:r>
+              <a:rPr kumimoji="1" lang="ja-JP" altLang="en-US" dirty="0" smtClean="0"/>
+              <a:t>のエコノミスト予測から、直近の物価下落から始まった</a:t>
+            </a:r>
+            <a:r>
+              <a:rPr kumimoji="1" lang="en-US" altLang="ja-JP" dirty="0" smtClean="0"/>
+              <a:t>.</a:t>
+            </a:r>
+          </a:p>
+          <a:p>
+            <a:pPr marL="0" indent="0">
+              <a:buNone/>
+            </a:pPr>
+            <a:r>
+              <a:rPr lang="ja-JP" altLang="en-US" dirty="0" smtClean="0"/>
+              <a:t>⇒ </a:t>
+            </a:r>
+            <a:r>
+              <a:rPr lang="en-US" altLang="ja-JP" dirty="0" smtClean="0"/>
+              <a:t>IT</a:t>
+            </a:r>
+            <a:r>
+              <a:rPr lang="ja-JP" altLang="en-US" dirty="0" smtClean="0"/>
+              <a:t>バブル崩壊→</a:t>
+            </a:r>
+            <a:r>
+              <a:rPr lang="en-US" altLang="ja-JP" dirty="0" smtClean="0"/>
+              <a:t>(</a:t>
+            </a:r>
+            <a:r>
+              <a:rPr lang="ja-JP" altLang="en-US" dirty="0" smtClean="0"/>
+              <a:t>直近の</a:t>
+            </a:r>
+            <a:r>
+              <a:rPr lang="en-US" altLang="ja-JP" dirty="0" smtClean="0"/>
+              <a:t>)</a:t>
+            </a:r>
+            <a:r>
+              <a:rPr lang="ja-JP" altLang="en-US" dirty="0" smtClean="0"/>
+              <a:t>物価下落→予想成長率＆均衡実質金利下落</a:t>
+            </a:r>
+            <a:r>
+              <a:rPr lang="en-US" altLang="ja-JP" dirty="0"/>
+              <a:t/>
+            </a:r>
+            <a:br>
+              <a:rPr lang="en-US" altLang="ja-JP" dirty="0"/>
+            </a:br>
+            <a:r>
+              <a:rPr lang="en-US" altLang="ja-JP" dirty="0" smtClean="0"/>
+              <a:t>						</a:t>
+            </a:r>
+            <a:r>
+              <a:rPr lang="ja-JP" altLang="en-US" dirty="0" smtClean="0"/>
+              <a:t>（一時的ショック）</a:t>
             </a:r>
             <a:endParaRPr lang="en-US" altLang="ja-JP" dirty="0" smtClean="0"/>
           </a:p>
           <a:p>
-            <a:endParaRPr lang="en-US" altLang="ja-JP" dirty="0"/>
-          </a:p>
-          <a:p>
+            <a:pPr marL="0" indent="0">
+              <a:buNone/>
+            </a:pPr>
+            <a:r>
+              <a:rPr kumimoji="1" lang="ja-JP" altLang="en-US" dirty="0" smtClean="0"/>
+              <a:t>ここで、緩和で実質市場金利を低下させたので、</a:t>
+            </a:r>
+            <a:r>
+              <a:rPr kumimoji="1" lang="en-US" altLang="ja-JP" dirty="0" smtClean="0"/>
+              <a:t>r’’&lt;r</a:t>
+            </a:r>
+            <a:r>
+              <a:rPr kumimoji="1" lang="ja-JP" altLang="en-US" dirty="0" smtClean="0"/>
+              <a:t>にならなかった</a:t>
+            </a:r>
+            <a:r>
+              <a:rPr kumimoji="1" lang="en-US" altLang="ja-JP" dirty="0" smtClean="0"/>
+              <a:t>.</a:t>
+            </a:r>
             <a:endParaRPr kumimoji="1" lang="en-US" altLang="ja-JP" dirty="0" smtClean="0"/>
           </a:p>
           <a:p>
@@ -5789,7 +6558,413 @@
     </p:spTree>
     <p:extLst>
       <p:ext uri="{BB962C8B-B14F-4D97-AF65-F5344CB8AC3E}">
-        <p14:creationId xmlns:p14="http://schemas.microsoft.com/office/powerpoint/2010/main" val="3088292317"/>
+        <p14:creationId xmlns:p14="http://schemas.microsoft.com/office/powerpoint/2010/main" val="3964456521"/>
+      </p:ext>
+    </p:extLst>
+  </p:cSld>
+  <p:clrMapOvr>
+    <a:masterClrMapping/>
+  </p:clrMapOvr>
+</p:sld>
+</file>
+
+<file path=ppt/slides/slide8.xml><?xml version="1.0" encoding="utf-8"?>
+<p:sld xmlns:a="http://schemas.openxmlformats.org/drawingml/2006/main" xmlns:r="http://schemas.openxmlformats.org/officeDocument/2006/relationships" xmlns:p="http://schemas.openxmlformats.org/presentationml/2006/main">
+  <p:cSld>
+    <p:spTree>
+      <p:nvGrpSpPr>
+        <p:cNvPr id="1" name=""/>
+        <p:cNvGrpSpPr/>
+        <p:nvPr/>
+      </p:nvGrpSpPr>
+      <p:grpSpPr>
+        <a:xfrm>
+          <a:off x="0" y="0"/>
+          <a:ext cx="0" cy="0"/>
+          <a:chOff x="0" y="0"/>
+          <a:chExt cx="0" cy="0"/>
+        </a:xfrm>
+      </p:grpSpPr>
+      <p:sp>
+        <p:nvSpPr>
+          <p:cNvPr id="2" name="タイトル 1"/>
+          <p:cNvSpPr>
+            <a:spLocks noGrp="1"/>
+          </p:cNvSpPr>
+          <p:nvPr>
+            <p:ph type="title"/>
+          </p:nvPr>
+        </p:nvSpPr>
+        <p:spPr/>
+        <p:txBody>
+          <a:bodyPr>
+            <a:normAutofit fontScale="90000"/>
+          </a:bodyPr>
+          <a:lstStyle/>
+          <a:p>
+            <a:r>
+              <a:rPr kumimoji="1" lang="en-US" altLang="ja-JP" dirty="0" smtClean="0"/>
+              <a:t>19-4 </a:t>
+            </a:r>
+            <a:r>
+              <a:rPr kumimoji="1" lang="ja-JP" altLang="en-US" dirty="0" smtClean="0"/>
+              <a:t>暫定的な評価</a:t>
+            </a:r>
+            <a:endParaRPr kumimoji="1" lang="ja-JP" altLang="en-US" dirty="0"/>
+          </a:p>
+        </p:txBody>
+      </p:sp>
+      <p:sp>
+        <p:nvSpPr>
+          <p:cNvPr id="3" name="コンテンツ プレースホルダー 2"/>
+          <p:cNvSpPr>
+            <a:spLocks noGrp="1"/>
+          </p:cNvSpPr>
+          <p:nvPr>
+            <p:ph idx="1"/>
+          </p:nvPr>
+        </p:nvSpPr>
+        <p:spPr>
+          <a:xfrm>
+            <a:off x="628649" y="828086"/>
+            <a:ext cx="8354483" cy="5741156"/>
+          </a:xfrm>
+        </p:spPr>
+        <p:txBody>
+          <a:bodyPr/>
+          <a:lstStyle/>
+          <a:p>
+            <a:pPr marL="0" indent="0">
+              <a:buNone/>
+            </a:pPr>
+            <a:r>
+              <a:rPr lang="en-US" altLang="ja-JP" dirty="0"/>
+              <a:t>…</a:t>
+            </a:r>
+            <a:r>
+              <a:rPr kumimoji="1" lang="ja-JP" altLang="en-US" dirty="0" smtClean="0"/>
+              <a:t>デフレはデフレ・スパイラルになるのか？</a:t>
+            </a:r>
+            <a:endParaRPr kumimoji="1" lang="en-US" altLang="ja-JP" dirty="0" smtClean="0"/>
+          </a:p>
+          <a:p>
+            <a:r>
+              <a:rPr kumimoji="1" lang="en-US" altLang="ja-JP" dirty="0" smtClean="0"/>
+              <a:t>(</a:t>
+            </a:r>
+            <a:r>
+              <a:rPr kumimoji="1" lang="ja-JP" altLang="en-US" dirty="0" smtClean="0"/>
+              <a:t>過去データから</a:t>
+            </a:r>
+            <a:r>
+              <a:rPr kumimoji="1" lang="en-US" altLang="ja-JP" dirty="0" smtClean="0"/>
+              <a:t>)</a:t>
+            </a:r>
+            <a:r>
+              <a:rPr kumimoji="1" lang="ja-JP" altLang="en-US" dirty="0" smtClean="0"/>
+              <a:t>デフレは経済成長を伴って発生する</a:t>
+            </a:r>
+            <a:r>
+              <a:rPr kumimoji="1" lang="en-US" altLang="ja-JP" dirty="0" smtClean="0"/>
+              <a:t>.</a:t>
+            </a:r>
+            <a:br>
+              <a:rPr kumimoji="1" lang="en-US" altLang="ja-JP" dirty="0" smtClean="0"/>
+            </a:br>
+            <a:r>
+              <a:rPr kumimoji="1" lang="en-US" altLang="ja-JP" dirty="0" smtClean="0"/>
+              <a:t> ※</a:t>
+            </a:r>
+            <a:r>
+              <a:rPr kumimoji="1" lang="ja-JP" altLang="en-US" dirty="0" smtClean="0"/>
+              <a:t>例外は大恐慌の時</a:t>
+            </a:r>
+            <a:r>
+              <a:rPr kumimoji="1" lang="en-US" altLang="ja-JP" dirty="0" smtClean="0"/>
+              <a:t>. </a:t>
+            </a:r>
+            <a:br>
+              <a:rPr kumimoji="1" lang="en-US" altLang="ja-JP" dirty="0" smtClean="0"/>
+            </a:br>
+            <a:r>
+              <a:rPr kumimoji="1" lang="en-US" altLang="ja-JP" dirty="0" smtClean="0"/>
+              <a:t>	</a:t>
+            </a:r>
+            <a:r>
+              <a:rPr kumimoji="1" lang="ja-JP" altLang="en-US" dirty="0" smtClean="0"/>
+              <a:t>→この時は、</a:t>
+            </a:r>
+            <a:r>
+              <a:rPr lang="ja-JP" altLang="en-US" dirty="0"/>
+              <a:t>不安定</a:t>
+            </a:r>
+            <a:r>
+              <a:rPr lang="ja-JP" altLang="en-US" dirty="0" smtClean="0"/>
+              <a:t>な</a:t>
+            </a:r>
+            <a:r>
+              <a:rPr kumimoji="1" lang="ja-JP" altLang="en-US" dirty="0" smtClean="0"/>
+              <a:t>金融システム＆固定為替レートが原因</a:t>
+            </a:r>
+            <a:r>
+              <a:rPr kumimoji="1" lang="en-US" altLang="ja-JP" dirty="0" smtClean="0"/>
+              <a:t>.</a:t>
+            </a:r>
+          </a:p>
+          <a:p>
+            <a:pPr marL="0" indent="0">
+              <a:buNone/>
+            </a:pPr>
+            <a:endParaRPr lang="en-US" altLang="ja-JP" dirty="0" smtClean="0"/>
+          </a:p>
+          <a:p>
+            <a:r>
+              <a:rPr lang="ja-JP" altLang="en-US" dirty="0"/>
+              <a:t>白川</a:t>
+            </a:r>
+            <a:r>
+              <a:rPr lang="ja-JP" altLang="en-US" dirty="0" smtClean="0"/>
+              <a:t>さんの意見（昔と今の違い）</a:t>
+            </a:r>
+            <a:endParaRPr lang="en-US" altLang="ja-JP" dirty="0" smtClean="0"/>
+          </a:p>
+          <a:p>
+            <a:pPr marL="457200" indent="-457200">
+              <a:buFont typeface="+mj-lt"/>
+              <a:buAutoNum type="arabicPeriod"/>
+            </a:pPr>
+            <a:r>
+              <a:rPr lang="ja-JP" altLang="en-US" dirty="0" smtClean="0"/>
+              <a:t>金融システムが安定してるか。</a:t>
+            </a:r>
+            <a:r>
+              <a:rPr lang="en-US" altLang="ja-JP" dirty="0" smtClean="0"/>
+              <a:t/>
+            </a:r>
+            <a:br>
+              <a:rPr lang="en-US" altLang="ja-JP" dirty="0" smtClean="0"/>
+            </a:br>
+            <a:r>
+              <a:rPr lang="ja-JP" altLang="en-US" dirty="0" smtClean="0"/>
+              <a:t>「最後の貸し手」、</a:t>
+            </a:r>
+            <a:r>
+              <a:rPr lang="en-US" altLang="ja-JP" dirty="0" smtClean="0"/>
+              <a:t>RTGS</a:t>
+            </a:r>
+            <a:r>
+              <a:rPr lang="ja-JP" altLang="en-US" dirty="0" err="1" smtClean="0"/>
+              <a:t>、</a:t>
+            </a:r>
+            <a:r>
+              <a:rPr lang="ja-JP" altLang="en-US" dirty="0" smtClean="0"/>
+              <a:t>など</a:t>
+            </a:r>
+            <a:r>
+              <a:rPr lang="ja-JP" altLang="en-US" dirty="0" err="1" smtClean="0"/>
+              <a:t>、、、</a:t>
+            </a:r>
+            <a:endParaRPr lang="en-US" altLang="ja-JP" dirty="0" smtClean="0"/>
+          </a:p>
+          <a:p>
+            <a:pPr marL="457200" indent="-457200">
+              <a:buFont typeface="+mj-lt"/>
+              <a:buAutoNum type="arabicPeriod"/>
+            </a:pPr>
+            <a:r>
+              <a:rPr lang="ja-JP" altLang="en-US" dirty="0" smtClean="0"/>
+              <a:t>経済開放度の高さ</a:t>
+            </a:r>
+            <a:r>
+              <a:rPr lang="en-US" altLang="ja-JP" dirty="0"/>
+              <a:t> </a:t>
+            </a:r>
+            <a:r>
+              <a:rPr lang="en-US" altLang="ja-JP" dirty="0" smtClean="0"/>
+              <a:t>(</a:t>
+            </a:r>
+            <a:r>
+              <a:rPr lang="ja-JP" altLang="en-US" dirty="0" smtClean="0"/>
+              <a:t>輸出入</a:t>
+            </a:r>
+            <a:r>
+              <a:rPr lang="en-US" altLang="ja-JP" dirty="0" smtClean="0"/>
+              <a:t>/GDP</a:t>
+            </a:r>
+            <a:r>
+              <a:rPr lang="ja-JP" altLang="en-US" dirty="0" smtClean="0"/>
+              <a:t>は</a:t>
+            </a:r>
+            <a:r>
+              <a:rPr lang="en-US" altLang="ja-JP" dirty="0" smtClean="0"/>
+              <a:t>7%(1930)</a:t>
+            </a:r>
+            <a:r>
+              <a:rPr lang="ja-JP" altLang="en-US" dirty="0" smtClean="0"/>
+              <a:t>→</a:t>
+            </a:r>
+            <a:r>
+              <a:rPr lang="en-US" altLang="ja-JP" dirty="0" smtClean="0"/>
+              <a:t>25%</a:t>
+            </a:r>
+            <a:r>
+              <a:rPr lang="ja-JP" altLang="en-US" dirty="0" smtClean="0"/>
+              <a:t>に上昇</a:t>
+            </a:r>
+            <a:r>
+              <a:rPr lang="en-US" altLang="ja-JP" dirty="0" smtClean="0"/>
+              <a:t>)</a:t>
+            </a:r>
+          </a:p>
+          <a:p>
+            <a:pPr marL="914400" lvl="1" indent="-457200">
+              <a:buFont typeface="+mj-lt"/>
+              <a:buAutoNum type="arabicPeriod"/>
+            </a:pPr>
+            <a:r>
+              <a:rPr lang="ja-JP" altLang="en-US" dirty="0" smtClean="0"/>
+              <a:t>自国物価下落→実質為替レート下落</a:t>
+            </a:r>
+            <a:endParaRPr lang="en-US" altLang="ja-JP" dirty="0" smtClean="0"/>
+          </a:p>
+          <a:p>
+            <a:pPr marL="914400" lvl="1" indent="-457200">
+              <a:buFont typeface="+mj-lt"/>
+              <a:buAutoNum type="arabicPeriod"/>
+            </a:pPr>
+            <a:r>
+              <a:rPr lang="ja-JP" altLang="en-US" dirty="0" smtClean="0"/>
+              <a:t>デフレスパイラルが起きそうになると、名目為替レートが下落</a:t>
+            </a:r>
+            <a:r>
+              <a:rPr lang="en-US" altLang="ja-JP" dirty="0" smtClean="0"/>
+              <a:t/>
+            </a:r>
+            <a:br>
+              <a:rPr lang="en-US" altLang="ja-JP" dirty="0" smtClean="0"/>
+            </a:br>
+            <a:r>
+              <a:rPr lang="ja-JP" altLang="en-US" dirty="0" smtClean="0"/>
+              <a:t>⇒輸出産業の活性化</a:t>
+            </a:r>
+            <a:endParaRPr lang="en-US" altLang="ja-JP" dirty="0" smtClean="0"/>
+          </a:p>
+          <a:p>
+            <a:pPr marL="914400" lvl="1" indent="-457200">
+              <a:buFont typeface="+mj-lt"/>
+              <a:buAutoNum type="arabicPeriod"/>
+            </a:pPr>
+            <a:r>
+              <a:rPr lang="ja-JP" altLang="en-US" dirty="0" smtClean="0"/>
+              <a:t>他国と比べて成長率軟差が低い</a:t>
+            </a:r>
+            <a:r>
+              <a:rPr lang="en-US" altLang="ja-JP" dirty="0" smtClean="0"/>
+              <a:t>(</a:t>
+            </a:r>
+            <a:r>
+              <a:rPr lang="ja-JP" altLang="en-US" dirty="0" smtClean="0"/>
+              <a:t>？</a:t>
+            </a:r>
+            <a:r>
+              <a:rPr lang="en-US" altLang="ja-JP" dirty="0" smtClean="0"/>
+              <a:t>)</a:t>
+            </a:r>
+          </a:p>
+          <a:p>
+            <a:pPr marL="914400" lvl="1" indent="-457200">
+              <a:buFont typeface="+mj-lt"/>
+              <a:buAutoNum type="arabicPeriod"/>
+            </a:pPr>
+            <a:r>
+              <a:rPr lang="ja-JP" altLang="en-US" dirty="0" smtClean="0"/>
+              <a:t>グローバルな投資家が増え、プレミアムの一方的拡大はない</a:t>
+            </a:r>
+            <a:r>
+              <a:rPr lang="en-US" altLang="ja-JP" dirty="0" smtClean="0"/>
+              <a:t>.</a:t>
+            </a:r>
+          </a:p>
+          <a:p>
+            <a:pPr marL="457200" indent="-457200">
+              <a:buFont typeface="+mj-lt"/>
+              <a:buAutoNum type="arabicPeriod"/>
+            </a:pPr>
+            <a:r>
+              <a:rPr lang="ja-JP" altLang="en-US" dirty="0"/>
+              <a:t>（一時的ショックなら、デフレスパイラル起きない）</a:t>
+            </a:r>
+            <a:endParaRPr lang="en-US" altLang="ja-JP" dirty="0"/>
+          </a:p>
+          <a:p>
+            <a:pPr marL="457200" indent="-457200">
+              <a:buFont typeface="+mj-lt"/>
+              <a:buAutoNum type="arabicPeriod"/>
+            </a:pPr>
+            <a:endParaRPr lang="en-US" altLang="ja-JP" dirty="0" smtClean="0"/>
+          </a:p>
+          <a:p>
+            <a:endParaRPr lang="en-US" altLang="ja-JP" dirty="0"/>
+          </a:p>
+          <a:p>
+            <a:endParaRPr lang="en-US" altLang="ja-JP" dirty="0"/>
+          </a:p>
+          <a:p>
+            <a:endParaRPr kumimoji="1" lang="ja-JP" altLang="en-US" dirty="0"/>
+          </a:p>
+        </p:txBody>
+      </p:sp>
+      <p:sp>
+        <p:nvSpPr>
+          <p:cNvPr id="4" name="スライド番号プレースホルダー 3"/>
+          <p:cNvSpPr>
+            <a:spLocks noGrp="1"/>
+          </p:cNvSpPr>
+          <p:nvPr>
+            <p:ph type="sldNum" sz="quarter" idx="12"/>
+          </p:nvPr>
+        </p:nvSpPr>
+        <p:spPr/>
+        <p:txBody>
+          <a:bodyPr/>
+          <a:lstStyle/>
+          <a:p>
+            <a:fld id="{2DD9D90A-4D94-4525-A16D-2717D27F54F2}" type="slidenum">
+              <a:rPr kumimoji="1" lang="ja-JP" altLang="en-US" smtClean="0"/>
+              <a:pPr/>
+              <a:t>8</a:t>
+            </a:fld>
+            <a:endParaRPr kumimoji="1" lang="ja-JP" altLang="en-US" dirty="0"/>
+          </a:p>
+        </p:txBody>
+      </p:sp>
+      <p:sp>
+        <p:nvSpPr>
+          <p:cNvPr id="5" name="フッター プレースホルダー 4"/>
+          <p:cNvSpPr>
+            <a:spLocks noGrp="1"/>
+          </p:cNvSpPr>
+          <p:nvPr>
+            <p:ph type="ftr" sz="quarter" idx="11"/>
+          </p:nvPr>
+        </p:nvSpPr>
+        <p:spPr/>
+        <p:txBody>
+          <a:bodyPr/>
+          <a:lstStyle/>
+          <a:p>
+            <a:r>
+              <a:rPr kumimoji="1" lang="en-US" altLang="ja-JP" smtClean="0"/>
+              <a:t>/9</a:t>
+            </a:r>
+            <a:endParaRPr kumimoji="1" lang="ja-JP" altLang="en-US" dirty="0"/>
+          </a:p>
+        </p:txBody>
+      </p:sp>
+    </p:spTree>
+    <p:extLst>
+      <p:ext uri="{BB962C8B-B14F-4D97-AF65-F5344CB8AC3E}">
+        <p14:creationId xmlns:p14="http://schemas.microsoft.com/office/powerpoint/2010/main" val="187857999"/>
       </p:ext>
     </p:extLst>
   </p:cSld>
@@ -6054,7 +7229,7 @@
   <a:extraClrSchemeLst/>
   <a:extLst>
     <a:ext uri="{05A4C25C-085E-4340-85A3-A5531E510DB2}">
-      <thm15:themeFamily xmlns:thm15="http://schemas.microsoft.com/office/thememl/2012/main" xmlns="" name="Office Theme" id="{62F939B6-93AF-4DB8-9C6B-D6C7DFDC589F}" vid="{4A3C46E8-61CC-4603-A589-7422A47A8E4A}"/>
+      <thm15:themeFamily xmlns:thm15="http://schemas.microsoft.com/office/thememl/2012/main" name="Office Theme" id="{62F939B6-93AF-4DB8-9C6B-D6C7DFDC589F}" vid="{4A3C46E8-61CC-4603-A589-7422A47A8E4A}"/>
     </a:ext>
   </a:extLst>
 </a:theme>
@@ -6315,7 +7490,7 @@
   <a:extraClrSchemeLst/>
   <a:extLst>
     <a:ext uri="{05A4C25C-085E-4340-85A3-A5531E510DB2}">
-      <thm15:themeFamily xmlns:thm15="http://schemas.microsoft.com/office/thememl/2012/main" xmlns="" name="Office Theme" id="{62F939B6-93AF-4DB8-9C6B-D6C7DFDC589F}" vid="{4A3C46E8-61CC-4603-A589-7422A47A8E4A}"/>
+      <thm15:themeFamily xmlns:thm15="http://schemas.microsoft.com/office/thememl/2012/main" name="Office Theme" id="{62F939B6-93AF-4DB8-9C6B-D6C7DFDC589F}" vid="{4A3C46E8-61CC-4603-A589-7422A47A8E4A}"/>
     </a:ext>
   </a:extLst>
 </a:theme>
@@ -6576,7 +7751,7 @@
   <a:extraClrSchemeLst/>
   <a:extLst>
     <a:ext uri="{05A4C25C-085E-4340-85A3-A5531E510DB2}">
-      <thm15:themeFamily xmlns:thm15="http://schemas.microsoft.com/office/thememl/2012/main" xmlns="" name="Office Theme" id="{62F939B6-93AF-4DB8-9C6B-D6C7DFDC589F}" vid="{4A3C46E8-61CC-4603-A589-7422A47A8E4A}"/>
+      <thm15:themeFamily xmlns:thm15="http://schemas.microsoft.com/office/thememl/2012/main" name="Office Theme" id="{62F939B6-93AF-4DB8-9C6B-D6C7DFDC589F}" vid="{4A3C46E8-61CC-4603-A589-7422A47A8E4A}"/>
     </a:ext>
   </a:extLst>
 </a:theme>
